--- a/report/M-protain_active_generative.pptx
+++ b/report/M-protain_active_generative.pptx
@@ -5,20 +5,21 @@
     <p:sldMasterId id="2147483648" r:id="rId1"/>
   </p:sldMasterIdLst>
   <p:notesMasterIdLst>
-    <p:notesMasterId r:id="rId13"/>
+    <p:notesMasterId r:id="rId14"/>
   </p:notesMasterIdLst>
   <p:sldIdLst>
     <p:sldId id="256" r:id="rId2"/>
     <p:sldId id="258" r:id="rId3"/>
     <p:sldId id="266" r:id="rId4"/>
     <p:sldId id="257" r:id="rId5"/>
-    <p:sldId id="262" r:id="rId6"/>
-    <p:sldId id="260" r:id="rId7"/>
-    <p:sldId id="261" r:id="rId8"/>
-    <p:sldId id="264" r:id="rId9"/>
-    <p:sldId id="263" r:id="rId10"/>
-    <p:sldId id="267" r:id="rId11"/>
-    <p:sldId id="265" r:id="rId12"/>
+    <p:sldId id="268" r:id="rId6"/>
+    <p:sldId id="262" r:id="rId7"/>
+    <p:sldId id="260" r:id="rId8"/>
+    <p:sldId id="261" r:id="rId9"/>
+    <p:sldId id="264" r:id="rId10"/>
+    <p:sldId id="263" r:id="rId11"/>
+    <p:sldId id="267" r:id="rId12"/>
+    <p:sldId id="265" r:id="rId13"/>
   </p:sldIdLst>
   <p:sldSz cx="12192000" cy="6858000"/>
   <p:notesSz cx="6858000" cy="9144000"/>
@@ -1900,6 +1901,13 @@
         </dgm:presLayoutVars>
       </dgm:prSet>
       <dgm:spPr/>
+      <dgm:t>
+        <a:bodyPr/>
+        <a:lstStyle/>
+        <a:p>
+          <a:endParaRPr lang="zh-CN" altLang="en-US"/>
+        </a:p>
+      </dgm:t>
     </dgm:pt>
     <dgm:pt modelId="{FDA4D597-24B1-4077-B304-0E766FA13A7C}" type="pres">
       <dgm:prSet presAssocID="{47F99EEA-30D9-45FB-BCAB-C24F9BACDBD5}" presName="node" presStyleLbl="node1" presStyleIdx="0" presStyleCnt="5" custLinFactNeighborX="-335" custLinFactNeighborY="-58783">
@@ -1908,14 +1916,35 @@
         </dgm:presLayoutVars>
       </dgm:prSet>
       <dgm:spPr/>
+      <dgm:t>
+        <a:bodyPr/>
+        <a:lstStyle/>
+        <a:p>
+          <a:endParaRPr lang="zh-CN" altLang="en-US"/>
+        </a:p>
+      </dgm:t>
     </dgm:pt>
     <dgm:pt modelId="{19F73CFE-B2AA-4271-814E-D1CE24EF179A}" type="pres">
       <dgm:prSet presAssocID="{0DF32D18-4CAC-4E32-99C9-279B1D281914}" presName="sibTrans" presStyleLbl="sibTrans2D1" presStyleIdx="0" presStyleCnt="4"/>
       <dgm:spPr/>
+      <dgm:t>
+        <a:bodyPr/>
+        <a:lstStyle/>
+        <a:p>
+          <a:endParaRPr lang="zh-CN" altLang="en-US"/>
+        </a:p>
+      </dgm:t>
     </dgm:pt>
     <dgm:pt modelId="{50E1DA5C-4CD0-48B5-8105-2D85C6E27F99}" type="pres">
       <dgm:prSet presAssocID="{0DF32D18-4CAC-4E32-99C9-279B1D281914}" presName="connectorText" presStyleLbl="sibTrans2D1" presStyleIdx="0" presStyleCnt="4"/>
       <dgm:spPr/>
+      <dgm:t>
+        <a:bodyPr/>
+        <a:lstStyle/>
+        <a:p>
+          <a:endParaRPr lang="zh-CN" altLang="en-US"/>
+        </a:p>
+      </dgm:t>
     </dgm:pt>
     <dgm:pt modelId="{5D525C22-6BE2-47C4-B8EC-17184F140EAE}" type="pres">
       <dgm:prSet presAssocID="{9ACC6055-C45A-4141-82C0-3B14EDB77EE3}" presName="node" presStyleLbl="node1" presStyleIdx="1" presStyleCnt="5" custLinFactNeighborX="-1369" custLinFactNeighborY="-58783">
@@ -1935,10 +1964,24 @@
     <dgm:pt modelId="{740E8F6B-2B5E-4D84-9DAE-1DB1D7002AE3}" type="pres">
       <dgm:prSet presAssocID="{BAA6BBDE-06BD-48A5-961F-868FF94D92F3}" presName="sibTrans" presStyleLbl="sibTrans2D1" presStyleIdx="1" presStyleCnt="4" custAng="3928806" custScaleX="178996" custLinFactX="-51490" custLinFactY="100000" custLinFactNeighborX="-100000" custLinFactNeighborY="146689"/>
       <dgm:spPr/>
+      <dgm:t>
+        <a:bodyPr/>
+        <a:lstStyle/>
+        <a:p>
+          <a:endParaRPr lang="zh-CN" altLang="en-US"/>
+        </a:p>
+      </dgm:t>
     </dgm:pt>
     <dgm:pt modelId="{EC1D45D4-5263-43CC-A21C-F8FF12E35F67}" type="pres">
       <dgm:prSet presAssocID="{BAA6BBDE-06BD-48A5-961F-868FF94D92F3}" presName="connectorText" presStyleLbl="sibTrans2D1" presStyleIdx="1" presStyleCnt="4"/>
       <dgm:spPr/>
+      <dgm:t>
+        <a:bodyPr/>
+        <a:lstStyle/>
+        <a:p>
+          <a:endParaRPr lang="zh-CN" altLang="en-US"/>
+        </a:p>
+      </dgm:t>
     </dgm:pt>
     <dgm:pt modelId="{5EB3B62C-B79E-4D44-96C9-C65BCE41CE38}" type="pres">
       <dgm:prSet presAssocID="{B4C7606D-57AF-4C40-8E00-93C79EF2A692}" presName="node" presStyleLbl="node1" presStyleIdx="2" presStyleCnt="5" custLinFactNeighborX="3464" custLinFactNeighborY="-58783">
@@ -1958,10 +2001,24 @@
     <dgm:pt modelId="{C8264E91-EEF8-439B-90F8-F325CF72452E}" type="pres">
       <dgm:prSet presAssocID="{6A022E47-5411-42E8-B5E2-C22A6A140CB0}" presName="sibTrans" presStyleLbl="sibTrans2D1" presStyleIdx="2" presStyleCnt="4" custScaleX="132323" custLinFactNeighborX="38870" custLinFactNeighborY="16827"/>
       <dgm:spPr/>
+      <dgm:t>
+        <a:bodyPr/>
+        <a:lstStyle/>
+        <a:p>
+          <a:endParaRPr lang="zh-CN" altLang="en-US"/>
+        </a:p>
+      </dgm:t>
     </dgm:pt>
     <dgm:pt modelId="{5FF6FEBD-8DD2-4CC9-811A-4ABC61C85C01}" type="pres">
       <dgm:prSet presAssocID="{6A022E47-5411-42E8-B5E2-C22A6A140CB0}" presName="connectorText" presStyleLbl="sibTrans2D1" presStyleIdx="2" presStyleCnt="4"/>
       <dgm:spPr/>
+      <dgm:t>
+        <a:bodyPr/>
+        <a:lstStyle/>
+        <a:p>
+          <a:endParaRPr lang="zh-CN" altLang="en-US"/>
+        </a:p>
+      </dgm:t>
     </dgm:pt>
     <dgm:pt modelId="{EF97A173-C168-40E9-82FD-A4EA939F0559}" type="pres">
       <dgm:prSet presAssocID="{1F936352-6B5B-4F22-8BD2-A05C12CED61C}" presName="node" presStyleLbl="node1" presStyleIdx="3" presStyleCnt="5" custLinFactNeighborX="-51308" custLinFactNeighborY="-38616">
@@ -1970,14 +2027,35 @@
         </dgm:presLayoutVars>
       </dgm:prSet>
       <dgm:spPr/>
+      <dgm:t>
+        <a:bodyPr/>
+        <a:lstStyle/>
+        <a:p>
+          <a:endParaRPr lang="zh-CN" altLang="en-US"/>
+        </a:p>
+      </dgm:t>
     </dgm:pt>
     <dgm:pt modelId="{C48386FF-17DF-4717-BFEB-B298FED8FA65}" type="pres">
       <dgm:prSet presAssocID="{7F6C98F8-3ED7-46AA-92E6-B6006354B62D}" presName="sibTrans" presStyleLbl="sibTrans2D1" presStyleIdx="3" presStyleCnt="4" custAng="14347696" custLinFactX="-100000" custLinFactY="-100000" custLinFactNeighborX="-192659" custLinFactNeighborY="-117696"/>
       <dgm:spPr/>
+      <dgm:t>
+        <a:bodyPr/>
+        <a:lstStyle/>
+        <a:p>
+          <a:endParaRPr lang="zh-CN" altLang="en-US"/>
+        </a:p>
+      </dgm:t>
     </dgm:pt>
     <dgm:pt modelId="{8FB00EA1-271B-4FD2-97BC-1A154E47570C}" type="pres">
       <dgm:prSet presAssocID="{7F6C98F8-3ED7-46AA-92E6-B6006354B62D}" presName="connectorText" presStyleLbl="sibTrans2D1" presStyleIdx="3" presStyleCnt="4"/>
       <dgm:spPr/>
+      <dgm:t>
+        <a:bodyPr/>
+        <a:lstStyle/>
+        <a:p>
+          <a:endParaRPr lang="zh-CN" altLang="en-US"/>
+        </a:p>
+      </dgm:t>
     </dgm:pt>
     <dgm:pt modelId="{3BEA33EF-C145-46F1-8A41-8DE9D1CBFF9F}" type="pres">
       <dgm:prSet presAssocID="{3B889173-2DB6-446C-9B1C-6A8E93019EED}" presName="node" presStyleLbl="node1" presStyleIdx="4" presStyleCnt="5" custLinFactNeighborX="-92795" custLinFactNeighborY="-38302">
@@ -1986,28 +2064,35 @@
         </dgm:presLayoutVars>
       </dgm:prSet>
       <dgm:spPr/>
+      <dgm:t>
+        <a:bodyPr/>
+        <a:lstStyle/>
+        <a:p>
+          <a:endParaRPr lang="zh-CN" altLang="en-US"/>
+        </a:p>
+      </dgm:t>
     </dgm:pt>
   </dgm:ptLst>
   <dgm:cxnLst>
+    <dgm:cxn modelId="{1BE553C2-D572-43B2-A236-E038BD963ECA}" type="presOf" srcId="{6A022E47-5411-42E8-B5E2-C22A6A140CB0}" destId="{C8264E91-EEF8-439B-90F8-F325CF72452E}" srcOrd="0" destOrd="0" presId="urn:microsoft.com/office/officeart/2005/8/layout/process5"/>
+    <dgm:cxn modelId="{A379B6DD-AA02-40DB-8540-AE69394C7CFD}" type="presOf" srcId="{6A022E47-5411-42E8-B5E2-C22A6A140CB0}" destId="{5FF6FEBD-8DD2-4CC9-811A-4ABC61C85C01}" srcOrd="1" destOrd="0" presId="urn:microsoft.com/office/officeart/2005/8/layout/process5"/>
+    <dgm:cxn modelId="{5E7604F0-90EA-4D8B-A470-148083A021C1}" type="presOf" srcId="{3B889173-2DB6-446C-9B1C-6A8E93019EED}" destId="{3BEA33EF-C145-46F1-8A41-8DE9D1CBFF9F}" srcOrd="0" destOrd="0" presId="urn:microsoft.com/office/officeart/2005/8/layout/process5"/>
+    <dgm:cxn modelId="{5923FC60-9BA6-4615-910B-1DF628A9DF58}" type="presOf" srcId="{2A171936-5D38-40D3-B4C8-F273C8162E4E}" destId="{2BEEE6E7-B6A7-43C6-8187-64DABAA7A4ED}" srcOrd="0" destOrd="0" presId="urn:microsoft.com/office/officeart/2005/8/layout/process5"/>
+    <dgm:cxn modelId="{A9E7854D-ED45-40A2-8DB5-A96FFAF94B46}" srcId="{2A171936-5D38-40D3-B4C8-F273C8162E4E}" destId="{3B889173-2DB6-446C-9B1C-6A8E93019EED}" srcOrd="4" destOrd="0" parTransId="{A5F7DA10-2937-473C-A445-69B30AF4F8FB}" sibTransId="{11ADF69A-C5B3-42CB-B6F0-872F2B2AA320}"/>
+    <dgm:cxn modelId="{53FDB1EC-1B87-456A-97AC-EDDCA3C3FA1A}" type="presOf" srcId="{BAA6BBDE-06BD-48A5-961F-868FF94D92F3}" destId="{EC1D45D4-5263-43CC-A21C-F8FF12E35F67}" srcOrd="1" destOrd="0" presId="urn:microsoft.com/office/officeart/2005/8/layout/process5"/>
+    <dgm:cxn modelId="{6D5E2A3F-AB15-46A4-B195-A4835D3C8069}" type="presOf" srcId="{B4C7606D-57AF-4C40-8E00-93C79EF2A692}" destId="{5EB3B62C-B79E-4D44-96C9-C65BCE41CE38}" srcOrd="0" destOrd="0" presId="urn:microsoft.com/office/officeart/2005/8/layout/process5"/>
+    <dgm:cxn modelId="{941A96CE-7FB5-42C1-822A-272B2D32ED98}" srcId="{2A171936-5D38-40D3-B4C8-F273C8162E4E}" destId="{9ACC6055-C45A-4141-82C0-3B14EDB77EE3}" srcOrd="1" destOrd="0" parTransId="{9AD3E8BF-09A7-46B4-A3B6-910CAEBB12B9}" sibTransId="{BAA6BBDE-06BD-48A5-961F-868FF94D92F3}"/>
+    <dgm:cxn modelId="{C6440069-5868-4D4A-B842-0130663B9F16}" srcId="{2A171936-5D38-40D3-B4C8-F273C8162E4E}" destId="{1F936352-6B5B-4F22-8BD2-A05C12CED61C}" srcOrd="3" destOrd="0" parTransId="{FA33C41C-07AC-4BF1-97E8-05B7F3CCA7D1}" sibTransId="{7F6C98F8-3ED7-46AA-92E6-B6006354B62D}"/>
+    <dgm:cxn modelId="{AF06E96B-B549-4BF4-B757-7D47F1C67B79}" type="presOf" srcId="{9ACC6055-C45A-4141-82C0-3B14EDB77EE3}" destId="{5D525C22-6BE2-47C4-B8EC-17184F140EAE}" srcOrd="0" destOrd="0" presId="urn:microsoft.com/office/officeart/2005/8/layout/process5"/>
+    <dgm:cxn modelId="{CF28E198-F04F-4F54-9C1E-B309EACC2D4F}" type="presOf" srcId="{7F6C98F8-3ED7-46AA-92E6-B6006354B62D}" destId="{8FB00EA1-271B-4FD2-97BC-1A154E47570C}" srcOrd="1" destOrd="0" presId="urn:microsoft.com/office/officeart/2005/8/layout/process5"/>
+    <dgm:cxn modelId="{9C860C1E-C898-4FF4-95D4-327CE67EFABA}" type="presOf" srcId="{1F936352-6B5B-4F22-8BD2-A05C12CED61C}" destId="{EF97A173-C168-40E9-82FD-A4EA939F0559}" srcOrd="0" destOrd="0" presId="urn:microsoft.com/office/officeart/2005/8/layout/process5"/>
+    <dgm:cxn modelId="{69C1BF10-A68A-4BD3-97EA-95C3939CAE93}" srcId="{2A171936-5D38-40D3-B4C8-F273C8162E4E}" destId="{47F99EEA-30D9-45FB-BCAB-C24F9BACDBD5}" srcOrd="0" destOrd="0" parTransId="{C7DC7BF0-D860-4296-9228-DA1945C2EF08}" sibTransId="{0DF32D18-4CAC-4E32-99C9-279B1D281914}"/>
+    <dgm:cxn modelId="{E4FEEECE-539F-40F8-8118-5D2DE99F8327}" type="presOf" srcId="{7F6C98F8-3ED7-46AA-92E6-B6006354B62D}" destId="{C48386FF-17DF-4717-BFEB-B298FED8FA65}" srcOrd="0" destOrd="0" presId="urn:microsoft.com/office/officeart/2005/8/layout/process5"/>
+    <dgm:cxn modelId="{A8429535-E10B-4B01-8DFC-24FA080A2454}" type="presOf" srcId="{47F99EEA-30D9-45FB-BCAB-C24F9BACDBD5}" destId="{FDA4D597-24B1-4077-B304-0E766FA13A7C}" srcOrd="0" destOrd="0" presId="urn:microsoft.com/office/officeart/2005/8/layout/process5"/>
+    <dgm:cxn modelId="{7DE2F759-1AD4-42A6-A192-6A9F95A729C6}" srcId="{2A171936-5D38-40D3-B4C8-F273C8162E4E}" destId="{B4C7606D-57AF-4C40-8E00-93C79EF2A692}" srcOrd="2" destOrd="0" parTransId="{C160CB64-1FBF-4BCD-8BBF-39E1DF15C5FD}" sibTransId="{6A022E47-5411-42E8-B5E2-C22A6A140CB0}"/>
+    <dgm:cxn modelId="{9D32CC87-49C2-4D3E-B932-97DC3D7FD4CC}" type="presOf" srcId="{BAA6BBDE-06BD-48A5-961F-868FF94D92F3}" destId="{740E8F6B-2B5E-4D84-9DAE-1DB1D7002AE3}" srcOrd="0" destOrd="0" presId="urn:microsoft.com/office/officeart/2005/8/layout/process5"/>
+    <dgm:cxn modelId="{BBE4379B-5F74-46FD-93A7-D766B190DBFD}" type="presOf" srcId="{0DF32D18-4CAC-4E32-99C9-279B1D281914}" destId="{50E1DA5C-4CD0-48B5-8105-2D85C6E27F99}" srcOrd="1" destOrd="0" presId="urn:microsoft.com/office/officeart/2005/8/layout/process5"/>
     <dgm:cxn modelId="{B9260051-DD6E-416C-9E54-F9D7D6EE1F81}" type="presOf" srcId="{0DF32D18-4CAC-4E32-99C9-279B1D281914}" destId="{19F73CFE-B2AA-4271-814E-D1CE24EF179A}" srcOrd="0" destOrd="0" presId="urn:microsoft.com/office/officeart/2005/8/layout/process5"/>
-    <dgm:cxn modelId="{9D32CC87-49C2-4D3E-B932-97DC3D7FD4CC}" type="presOf" srcId="{BAA6BBDE-06BD-48A5-961F-868FF94D92F3}" destId="{740E8F6B-2B5E-4D84-9DAE-1DB1D7002AE3}" srcOrd="0" destOrd="0" presId="urn:microsoft.com/office/officeart/2005/8/layout/process5"/>
-    <dgm:cxn modelId="{A8429535-E10B-4B01-8DFC-24FA080A2454}" type="presOf" srcId="{47F99EEA-30D9-45FB-BCAB-C24F9BACDBD5}" destId="{FDA4D597-24B1-4077-B304-0E766FA13A7C}" srcOrd="0" destOrd="0" presId="urn:microsoft.com/office/officeart/2005/8/layout/process5"/>
-    <dgm:cxn modelId="{5923FC60-9BA6-4615-910B-1DF628A9DF58}" type="presOf" srcId="{2A171936-5D38-40D3-B4C8-F273C8162E4E}" destId="{2BEEE6E7-B6A7-43C6-8187-64DABAA7A4ED}" srcOrd="0" destOrd="0" presId="urn:microsoft.com/office/officeart/2005/8/layout/process5"/>
-    <dgm:cxn modelId="{CF28E198-F04F-4F54-9C1E-B309EACC2D4F}" type="presOf" srcId="{7F6C98F8-3ED7-46AA-92E6-B6006354B62D}" destId="{8FB00EA1-271B-4FD2-97BC-1A154E47570C}" srcOrd="1" destOrd="0" presId="urn:microsoft.com/office/officeart/2005/8/layout/process5"/>
-    <dgm:cxn modelId="{7DE2F759-1AD4-42A6-A192-6A9F95A729C6}" srcId="{2A171936-5D38-40D3-B4C8-F273C8162E4E}" destId="{B4C7606D-57AF-4C40-8E00-93C79EF2A692}" srcOrd="2" destOrd="0" parTransId="{C160CB64-1FBF-4BCD-8BBF-39E1DF15C5FD}" sibTransId="{6A022E47-5411-42E8-B5E2-C22A6A140CB0}"/>
-    <dgm:cxn modelId="{53FDB1EC-1B87-456A-97AC-EDDCA3C3FA1A}" type="presOf" srcId="{BAA6BBDE-06BD-48A5-961F-868FF94D92F3}" destId="{EC1D45D4-5263-43CC-A21C-F8FF12E35F67}" srcOrd="1" destOrd="0" presId="urn:microsoft.com/office/officeart/2005/8/layout/process5"/>
-    <dgm:cxn modelId="{BBE4379B-5F74-46FD-93A7-D766B190DBFD}" type="presOf" srcId="{0DF32D18-4CAC-4E32-99C9-279B1D281914}" destId="{50E1DA5C-4CD0-48B5-8105-2D85C6E27F99}" srcOrd="1" destOrd="0" presId="urn:microsoft.com/office/officeart/2005/8/layout/process5"/>
-    <dgm:cxn modelId="{9C860C1E-C898-4FF4-95D4-327CE67EFABA}" type="presOf" srcId="{1F936352-6B5B-4F22-8BD2-A05C12CED61C}" destId="{EF97A173-C168-40E9-82FD-A4EA939F0559}" srcOrd="0" destOrd="0" presId="urn:microsoft.com/office/officeart/2005/8/layout/process5"/>
-    <dgm:cxn modelId="{A379B6DD-AA02-40DB-8540-AE69394C7CFD}" type="presOf" srcId="{6A022E47-5411-42E8-B5E2-C22A6A140CB0}" destId="{5FF6FEBD-8DD2-4CC9-811A-4ABC61C85C01}" srcOrd="1" destOrd="0" presId="urn:microsoft.com/office/officeart/2005/8/layout/process5"/>
-    <dgm:cxn modelId="{AF06E96B-B549-4BF4-B757-7D47F1C67B79}" type="presOf" srcId="{9ACC6055-C45A-4141-82C0-3B14EDB77EE3}" destId="{5D525C22-6BE2-47C4-B8EC-17184F140EAE}" srcOrd="0" destOrd="0" presId="urn:microsoft.com/office/officeart/2005/8/layout/process5"/>
-    <dgm:cxn modelId="{A9E7854D-ED45-40A2-8DB5-A96FFAF94B46}" srcId="{2A171936-5D38-40D3-B4C8-F273C8162E4E}" destId="{3B889173-2DB6-446C-9B1C-6A8E93019EED}" srcOrd="4" destOrd="0" parTransId="{A5F7DA10-2937-473C-A445-69B30AF4F8FB}" sibTransId="{11ADF69A-C5B3-42CB-B6F0-872F2B2AA320}"/>
-    <dgm:cxn modelId="{941A96CE-7FB5-42C1-822A-272B2D32ED98}" srcId="{2A171936-5D38-40D3-B4C8-F273C8162E4E}" destId="{9ACC6055-C45A-4141-82C0-3B14EDB77EE3}" srcOrd="1" destOrd="0" parTransId="{9AD3E8BF-09A7-46B4-A3B6-910CAEBB12B9}" sibTransId="{BAA6BBDE-06BD-48A5-961F-868FF94D92F3}"/>
-    <dgm:cxn modelId="{5E7604F0-90EA-4D8B-A470-148083A021C1}" type="presOf" srcId="{3B889173-2DB6-446C-9B1C-6A8E93019EED}" destId="{3BEA33EF-C145-46F1-8A41-8DE9D1CBFF9F}" srcOrd="0" destOrd="0" presId="urn:microsoft.com/office/officeart/2005/8/layout/process5"/>
-    <dgm:cxn modelId="{69C1BF10-A68A-4BD3-97EA-95C3939CAE93}" srcId="{2A171936-5D38-40D3-B4C8-F273C8162E4E}" destId="{47F99EEA-30D9-45FB-BCAB-C24F9BACDBD5}" srcOrd="0" destOrd="0" parTransId="{C7DC7BF0-D860-4296-9228-DA1945C2EF08}" sibTransId="{0DF32D18-4CAC-4E32-99C9-279B1D281914}"/>
-    <dgm:cxn modelId="{C6440069-5868-4D4A-B842-0130663B9F16}" srcId="{2A171936-5D38-40D3-B4C8-F273C8162E4E}" destId="{1F936352-6B5B-4F22-8BD2-A05C12CED61C}" srcOrd="3" destOrd="0" parTransId="{FA33C41C-07AC-4BF1-97E8-05B7F3CCA7D1}" sibTransId="{7F6C98F8-3ED7-46AA-92E6-B6006354B62D}"/>
-    <dgm:cxn modelId="{E4FEEECE-539F-40F8-8118-5D2DE99F8327}" type="presOf" srcId="{7F6C98F8-3ED7-46AA-92E6-B6006354B62D}" destId="{C48386FF-17DF-4717-BFEB-B298FED8FA65}" srcOrd="0" destOrd="0" presId="urn:microsoft.com/office/officeart/2005/8/layout/process5"/>
-    <dgm:cxn modelId="{1BE553C2-D572-43B2-A236-E038BD963ECA}" type="presOf" srcId="{6A022E47-5411-42E8-B5E2-C22A6A140CB0}" destId="{C8264E91-EEF8-439B-90F8-F325CF72452E}" srcOrd="0" destOrd="0" presId="urn:microsoft.com/office/officeart/2005/8/layout/process5"/>
-    <dgm:cxn modelId="{6D5E2A3F-AB15-46A4-B195-A4835D3C8069}" type="presOf" srcId="{B4C7606D-57AF-4C40-8E00-93C79EF2A692}" destId="{5EB3B62C-B79E-4D44-96C9-C65BCE41CE38}" srcOrd="0" destOrd="0" presId="urn:microsoft.com/office/officeart/2005/8/layout/process5"/>
     <dgm:cxn modelId="{8E02EFC4-909C-4451-8A18-FF4381AE4D7F}" type="presParOf" srcId="{2BEEE6E7-B6A7-43C6-8187-64DABAA7A4ED}" destId="{FDA4D597-24B1-4077-B304-0E766FA13A7C}" srcOrd="0" destOrd="0" presId="urn:microsoft.com/office/officeart/2005/8/layout/process5"/>
     <dgm:cxn modelId="{F317F844-9EB1-4336-95BC-600768CAB055}" type="presParOf" srcId="{2BEEE6E7-B6A7-43C6-8187-64DABAA7A4ED}" destId="{19F73CFE-B2AA-4271-814E-D1CE24EF179A}" srcOrd="1" destOrd="0" presId="urn:microsoft.com/office/officeart/2005/8/layout/process5"/>
     <dgm:cxn modelId="{E09D7A14-636D-47A0-82EB-79BBD0BB68F8}" type="presParOf" srcId="{19F73CFE-B2AA-4271-814E-D1CE24EF179A}" destId="{50E1DA5C-4CD0-48B5-8105-2D85C6E27F99}" srcOrd="0" destOrd="0" presId="urn:microsoft.com/office/officeart/2005/8/layout/process5"/>
@@ -2214,11 +2299,7 @@
         <a:p>
           <a:r>
             <a:rPr lang="en-US" altLang="zh-CN" dirty="0" smtClean="0"/>
-            <a:t>returned </a:t>
-          </a:r>
-          <a:r>
-            <a:rPr lang="en-US" altLang="zh-CN" dirty="0" smtClean="0"/>
-            <a:t>classifier</a:t>
+            <a:t>returned classifier</a:t>
           </a:r>
           <a:endParaRPr lang="zh-CN" altLang="en-US" dirty="0"/>
         </a:p>
@@ -2421,24 +2502,24 @@
   </dgm:ptLst>
   <dgm:cxnLst>
     <dgm:cxn modelId="{CF6EA122-A28F-4778-9ACC-5FFCAC44788A}" type="presOf" srcId="{19E0BDC4-44F3-4978-9245-DC8F307B95FA}" destId="{DC57D644-2034-49F0-ACC1-8A3409548101}" srcOrd="0" destOrd="0" presId="urn:microsoft.com/office/officeart/2005/8/layout/process1"/>
-    <dgm:cxn modelId="{056B49D2-101E-4119-A192-34433689B2D6}" srcId="{934CF1F5-0EA1-43F8-9A10-A6930F30E700}" destId="{D1E66598-6FCF-4A9F-B79C-53E48BFB39E6}" srcOrd="0" destOrd="0" parTransId="{C2DAC4BB-6E14-456F-BE01-83DC774C4B71}" sibTransId="{A1A104F9-11E6-4628-9272-661A063341E9}"/>
-    <dgm:cxn modelId="{55B742A1-6EC8-4651-9DAF-772369A5B4BD}" type="presOf" srcId="{D1E66598-6FCF-4A9F-B79C-53E48BFB39E6}" destId="{A15F4C40-A9EC-4AEE-81A5-A3410FE0B35F}" srcOrd="0" destOrd="0" presId="urn:microsoft.com/office/officeart/2005/8/layout/process1"/>
+    <dgm:cxn modelId="{D1C8E9E0-2CD8-448D-959E-709DD8156C97}" type="presOf" srcId="{BEEA6F13-715E-4772-9730-10133889BD7B}" destId="{643BEF74-807D-4BEF-959F-630B8790C007}" srcOrd="1" destOrd="0" presId="urn:microsoft.com/office/officeart/2005/8/layout/process1"/>
+    <dgm:cxn modelId="{0993394B-8771-4A6C-9242-E07D62D2CB30}" type="presOf" srcId="{A1A104F9-11E6-4628-9272-661A063341E9}" destId="{F3275976-C559-44A7-B5CB-3968F9E18E13}" srcOrd="1" destOrd="0" presId="urn:microsoft.com/office/officeart/2005/8/layout/process1"/>
+    <dgm:cxn modelId="{5B9F0B50-24A4-4A7D-AA2B-D140890B1133}" type="presOf" srcId="{BE0194F3-0CF3-4552-AABC-07427B431412}" destId="{8DDAC931-168E-4702-9EB7-0AB6BA6B179C}" srcOrd="1" destOrd="0" presId="urn:microsoft.com/office/officeart/2005/8/layout/process1"/>
+    <dgm:cxn modelId="{0D872E39-F553-40C1-B918-12ADBDA1588C}" type="presOf" srcId="{A1A104F9-11E6-4628-9272-661A063341E9}" destId="{563A31A6-2274-4E2E-A7E8-DACDE200E763}" srcOrd="0" destOrd="0" presId="urn:microsoft.com/office/officeart/2005/8/layout/process1"/>
     <dgm:cxn modelId="{25B0F006-8D0B-4F50-BAA7-BA579B56AF5A}" type="presOf" srcId="{19E0BDC4-44F3-4978-9245-DC8F307B95FA}" destId="{FEEFE8F8-C773-4D5E-AB98-B5F789E181FC}" srcOrd="1" destOrd="0" presId="urn:microsoft.com/office/officeart/2005/8/layout/process1"/>
     <dgm:cxn modelId="{8208F8EA-1896-4C4C-843D-7203EE47412C}" type="presOf" srcId="{15F70219-90E6-41AD-92F6-D83B04F46292}" destId="{C3355515-1B56-49A3-BA42-22F4AC0F28DC}" srcOrd="0" destOrd="0" presId="urn:microsoft.com/office/officeart/2005/8/layout/process1"/>
+    <dgm:cxn modelId="{056B49D2-101E-4119-A192-34433689B2D6}" srcId="{934CF1F5-0EA1-43F8-9A10-A6930F30E700}" destId="{D1E66598-6FCF-4A9F-B79C-53E48BFB39E6}" srcOrd="0" destOrd="0" parTransId="{C2DAC4BB-6E14-456F-BE01-83DC774C4B71}" sibTransId="{A1A104F9-11E6-4628-9272-661A063341E9}"/>
+    <dgm:cxn modelId="{1C9034F8-EC1E-4365-8D70-793FE4F7C288}" srcId="{934CF1F5-0EA1-43F8-9A10-A6930F30E700}" destId="{C8D06E48-4653-4EA4-932C-06ACF987B8A2}" srcOrd="2" destOrd="0" parTransId="{0DCB4F89-9D3E-45D1-B122-8FCF62B40315}" sibTransId="{BE0194F3-0CF3-4552-AABC-07427B431412}"/>
     <dgm:cxn modelId="{6B5CDFBB-DA74-4902-8A0C-E7365BCE4239}" srcId="{934CF1F5-0EA1-43F8-9A10-A6930F30E700}" destId="{6494A383-F946-4170-9AD8-F020DEE24BCF}" srcOrd="3" destOrd="0" parTransId="{D5CCA83A-0D47-4DC1-8AF2-F0A1EE6AFDED}" sibTransId="{19E0BDC4-44F3-4978-9245-DC8F307B95FA}"/>
-    <dgm:cxn modelId="{D1C8E9E0-2CD8-448D-959E-709DD8156C97}" type="presOf" srcId="{BEEA6F13-715E-4772-9730-10133889BD7B}" destId="{643BEF74-807D-4BEF-959F-630B8790C007}" srcOrd="1" destOrd="0" presId="urn:microsoft.com/office/officeart/2005/8/layout/process1"/>
-    <dgm:cxn modelId="{0993394B-8771-4A6C-9242-E07D62D2CB30}" type="presOf" srcId="{A1A104F9-11E6-4628-9272-661A063341E9}" destId="{F3275976-C559-44A7-B5CB-3968F9E18E13}" srcOrd="1" destOrd="0" presId="urn:microsoft.com/office/officeart/2005/8/layout/process1"/>
+    <dgm:cxn modelId="{F0327BE6-FD12-4949-BC06-39D3E971B0ED}" type="presOf" srcId="{6494A383-F946-4170-9AD8-F020DEE24BCF}" destId="{F226DC3B-3B05-40B9-96AA-E50673E0C595}" srcOrd="0" destOrd="0" presId="urn:microsoft.com/office/officeart/2005/8/layout/process1"/>
     <dgm:cxn modelId="{3271E2D6-56B6-4CEE-892D-512DFD224CBF}" type="presOf" srcId="{D48AC2AD-6EBE-42E9-B8D3-72B770041CC3}" destId="{25D2843C-E207-4FB5-8DD3-A9F639FBD32A}" srcOrd="0" destOrd="0" presId="urn:microsoft.com/office/officeart/2005/8/layout/process1"/>
+    <dgm:cxn modelId="{06451A44-BE23-4654-A82D-876C921ACAEC}" srcId="{934CF1F5-0EA1-43F8-9A10-A6930F30E700}" destId="{15F70219-90E6-41AD-92F6-D83B04F46292}" srcOrd="4" destOrd="0" parTransId="{B4DEA3D9-EABD-4613-BA3C-B918A54BF71D}" sibTransId="{A104B910-5413-40CE-A5D6-7A4141AB6FBC}"/>
     <dgm:cxn modelId="{A312EF96-3C1B-457B-95E9-32DB36A793A0}" type="presOf" srcId="{BE0194F3-0CF3-4552-AABC-07427B431412}" destId="{7516379C-C50D-4077-981C-6C8D9D5819C2}" srcOrd="0" destOrd="0" presId="urn:microsoft.com/office/officeart/2005/8/layout/process1"/>
-    <dgm:cxn modelId="{F0327BE6-FD12-4949-BC06-39D3E971B0ED}" type="presOf" srcId="{6494A383-F946-4170-9AD8-F020DEE24BCF}" destId="{F226DC3B-3B05-40B9-96AA-E50673E0C595}" srcOrd="0" destOrd="0" presId="urn:microsoft.com/office/officeart/2005/8/layout/process1"/>
+    <dgm:cxn modelId="{9AD55BCF-70E8-4232-880D-84C18D37F4ED}" type="presOf" srcId="{C8D06E48-4653-4EA4-932C-06ACF987B8A2}" destId="{B912B35B-775A-45B7-AC33-8E631CD43E5F}" srcOrd="0" destOrd="0" presId="urn:microsoft.com/office/officeart/2005/8/layout/process1"/>
+    <dgm:cxn modelId="{78B94126-D29B-4B8C-8EFA-830AA0AB55E3}" srcId="{934CF1F5-0EA1-43F8-9A10-A6930F30E700}" destId="{D48AC2AD-6EBE-42E9-B8D3-72B770041CC3}" srcOrd="1" destOrd="0" parTransId="{2B9B0DB9-F230-478C-BD1D-5FE02AD780A1}" sibTransId="{BEEA6F13-715E-4772-9730-10133889BD7B}"/>
     <dgm:cxn modelId="{D31E1664-0F2B-489E-A462-F078898BCCDE}" type="presOf" srcId="{BEEA6F13-715E-4772-9730-10133889BD7B}" destId="{AD6DB7D8-9D34-4043-B2C1-FA53D1372ED6}" srcOrd="0" destOrd="0" presId="urn:microsoft.com/office/officeart/2005/8/layout/process1"/>
-    <dgm:cxn modelId="{9AD55BCF-70E8-4232-880D-84C18D37F4ED}" type="presOf" srcId="{C8D06E48-4653-4EA4-932C-06ACF987B8A2}" destId="{B912B35B-775A-45B7-AC33-8E631CD43E5F}" srcOrd="0" destOrd="0" presId="urn:microsoft.com/office/officeart/2005/8/layout/process1"/>
-    <dgm:cxn modelId="{0D872E39-F553-40C1-B918-12ADBDA1588C}" type="presOf" srcId="{A1A104F9-11E6-4628-9272-661A063341E9}" destId="{563A31A6-2274-4E2E-A7E8-DACDE200E763}" srcOrd="0" destOrd="0" presId="urn:microsoft.com/office/officeart/2005/8/layout/process1"/>
-    <dgm:cxn modelId="{1C9034F8-EC1E-4365-8D70-793FE4F7C288}" srcId="{934CF1F5-0EA1-43F8-9A10-A6930F30E700}" destId="{C8D06E48-4653-4EA4-932C-06ACF987B8A2}" srcOrd="2" destOrd="0" parTransId="{0DCB4F89-9D3E-45D1-B122-8FCF62B40315}" sibTransId="{BE0194F3-0CF3-4552-AABC-07427B431412}"/>
-    <dgm:cxn modelId="{06451A44-BE23-4654-A82D-876C921ACAEC}" srcId="{934CF1F5-0EA1-43F8-9A10-A6930F30E700}" destId="{15F70219-90E6-41AD-92F6-D83B04F46292}" srcOrd="4" destOrd="0" parTransId="{B4DEA3D9-EABD-4613-BA3C-B918A54BF71D}" sibTransId="{A104B910-5413-40CE-A5D6-7A4141AB6FBC}"/>
-    <dgm:cxn modelId="{78B94126-D29B-4B8C-8EFA-830AA0AB55E3}" srcId="{934CF1F5-0EA1-43F8-9A10-A6930F30E700}" destId="{D48AC2AD-6EBE-42E9-B8D3-72B770041CC3}" srcOrd="1" destOrd="0" parTransId="{2B9B0DB9-F230-478C-BD1D-5FE02AD780A1}" sibTransId="{BEEA6F13-715E-4772-9730-10133889BD7B}"/>
+    <dgm:cxn modelId="{55B742A1-6EC8-4651-9DAF-772369A5B4BD}" type="presOf" srcId="{D1E66598-6FCF-4A9F-B79C-53E48BFB39E6}" destId="{A15F4C40-A9EC-4AEE-81A5-A3410FE0B35F}" srcOrd="0" destOrd="0" presId="urn:microsoft.com/office/officeart/2005/8/layout/process1"/>
     <dgm:cxn modelId="{E2F4637B-7509-4FDE-8ABA-31D32D4C40A8}" type="presOf" srcId="{934CF1F5-0EA1-43F8-9A10-A6930F30E700}" destId="{F678DA4B-3612-4096-8CFB-97361B3816B6}" srcOrd="0" destOrd="0" presId="urn:microsoft.com/office/officeart/2005/8/layout/process1"/>
-    <dgm:cxn modelId="{5B9F0B50-24A4-4A7D-AA2B-D140890B1133}" type="presOf" srcId="{BE0194F3-0CF3-4552-AABC-07427B431412}" destId="{8DDAC931-168E-4702-9EB7-0AB6BA6B179C}" srcOrd="1" destOrd="0" presId="urn:microsoft.com/office/officeart/2005/8/layout/process1"/>
     <dgm:cxn modelId="{AA251CE6-1ACD-48AD-8808-3D049603461F}" type="presParOf" srcId="{F678DA4B-3612-4096-8CFB-97361B3816B6}" destId="{A15F4C40-A9EC-4AEE-81A5-A3410FE0B35F}" srcOrd="0" destOrd="0" presId="urn:microsoft.com/office/officeart/2005/8/layout/process1"/>
     <dgm:cxn modelId="{5C55D29A-8DA6-47DB-BFF6-895EF26F24FD}" type="presParOf" srcId="{F678DA4B-3612-4096-8CFB-97361B3816B6}" destId="{563A31A6-2274-4E2E-A7E8-DACDE200E763}" srcOrd="1" destOrd="0" presId="urn:microsoft.com/office/officeart/2005/8/layout/process1"/>
     <dgm:cxn modelId="{C143C374-25C8-4A67-BA5E-1FCA14BC27FF}" type="presParOf" srcId="{563A31A6-2274-4E2E-A7E8-DACDE200E763}" destId="{F3275976-C559-44A7-B5CB-3968F9E18E13}" srcOrd="0" destOrd="0" presId="urn:microsoft.com/office/officeart/2005/8/layout/process1"/>
@@ -3162,8 +3243,8 @@
       </dsp:nvSpPr>
       <dsp:spPr>
         <a:xfrm>
-          <a:off x="380941" y="137659"/>
-          <a:ext cx="1372045" cy="1626832"/>
+          <a:off x="380941" y="286154"/>
+          <a:ext cx="1372045" cy="1508297"/>
         </a:xfrm>
         <a:prstGeom prst="roundRect">
           <a:avLst>
@@ -3266,8 +3347,8 @@
         </a:p>
       </dsp:txBody>
       <dsp:txXfrm>
-        <a:off x="421127" y="177845"/>
-        <a:ext cx="1291673" cy="1546460"/>
+        <a:off x="421127" y="326340"/>
+        <a:ext cx="1291673" cy="1427925"/>
       </dsp:txXfrm>
     </dsp:sp>
     <dsp:sp modelId="{563A31A6-2274-4E2E-A7E8-DACDE200E763}">
@@ -3276,9 +3357,9 @@
         <dsp:cNvSpPr/>
       </dsp:nvSpPr>
       <dsp:spPr>
-        <a:xfrm rot="21542431">
-          <a:off x="2249873" y="759830"/>
-          <a:ext cx="1521745" cy="317383"/>
+        <a:xfrm rot="21546625">
+          <a:off x="2249888" y="851429"/>
+          <a:ext cx="1521715" cy="317383"/>
         </a:xfrm>
         <a:prstGeom prst="rightArrow">
           <a:avLst>
@@ -3335,8 +3416,8 @@
         </a:p>
       </dsp:txBody>
       <dsp:txXfrm>
-        <a:off x="2249880" y="824104"/>
-        <a:ext cx="1426530" cy="190429"/>
+        <a:off x="2249894" y="915645"/>
+        <a:ext cx="1426500" cy="190429"/>
       </dsp:txXfrm>
     </dsp:sp>
     <dsp:sp modelId="{25D2843C-E207-4FB5-8DD3-A9F639FBD32A}">
@@ -3346,8 +3427,8 @@
       </dsp:nvSpPr>
       <dsp:spPr>
         <a:xfrm>
-          <a:off x="4195237" y="303753"/>
-          <a:ext cx="1559126" cy="1163752"/>
+          <a:off x="4195237" y="440145"/>
+          <a:ext cx="1559126" cy="1078958"/>
         </a:xfrm>
         <a:prstGeom prst="roundRect">
           <a:avLst>
@@ -3416,8 +3497,8 @@
         </a:p>
       </dsp:txBody>
       <dsp:txXfrm>
-        <a:off x="4229322" y="337838"/>
-        <a:ext cx="1490956" cy="1095582"/>
+        <a:off x="4226839" y="471747"/>
+        <a:ext cx="1495922" cy="1015754"/>
       </dsp:txXfrm>
     </dsp:sp>
     <dsp:sp modelId="{AD6DB7D8-9D34-4043-B2C1-FA53D1372ED6}">
@@ -3427,7 +3508,7 @@
       </dsp:nvSpPr>
       <dsp:spPr>
         <a:xfrm>
-          <a:off x="6137048" y="779129"/>
+          <a:off x="6137048" y="873125"/>
           <a:ext cx="2761101" cy="212999"/>
         </a:xfrm>
         <a:prstGeom prst="rightArrow">
@@ -3485,7 +3566,7 @@
         </a:p>
       </dsp:txBody>
       <dsp:txXfrm>
-        <a:off x="6137048" y="821729"/>
+        <a:off x="6137048" y="915725"/>
         <a:ext cx="2697201" cy="127799"/>
       </dsp:txXfrm>
     </dsp:sp>
@@ -3496,8 +3577,8 @@
       </dsp:nvSpPr>
       <dsp:spPr>
         <a:xfrm>
-          <a:off x="9178122" y="335981"/>
-          <a:ext cx="1337477" cy="1099295"/>
+          <a:off x="9178122" y="470025"/>
+          <a:ext cx="1337477" cy="1019198"/>
         </a:xfrm>
         <a:prstGeom prst="roundRect">
           <a:avLst>
@@ -3542,12 +3623,12 @@
         </a:fontRef>
       </dsp:style>
       <dsp:txBody>
-        <a:bodyPr spcFirstLastPara="0" vert="horz" wrap="square" lIns="76200" tIns="76200" rIns="76200" bIns="76200" numCol="1" spcCol="1270" anchor="ctr" anchorCtr="0">
+        <a:bodyPr spcFirstLastPara="0" vert="horz" wrap="square" lIns="68580" tIns="68580" rIns="68580" bIns="68580" numCol="1" spcCol="1270" anchor="ctr" anchorCtr="0">
           <a:noAutofit/>
         </a:bodyPr>
         <a:lstStyle/>
         <a:p>
-          <a:pPr lvl="0" algn="ctr" defTabSz="889000">
+          <a:pPr lvl="0" algn="ctr" defTabSz="800100">
             <a:lnSpc>
               <a:spcPct val="90000"/>
             </a:lnSpc>
@@ -3559,19 +3640,15 @@
             </a:spcAft>
           </a:pPr>
           <a:r>
-            <a:rPr lang="en-US" altLang="zh-CN" sz="2000" kern="1200" dirty="0" smtClean="0"/>
-            <a:t>returned </a:t>
+            <a:rPr lang="en-US" altLang="zh-CN" sz="1800" kern="1200" dirty="0" smtClean="0"/>
+            <a:t>returned classifier</a:t>
           </a:r>
-          <a:r>
-            <a:rPr lang="en-US" altLang="zh-CN" sz="2000" kern="1200" dirty="0" smtClean="0"/>
-            <a:t>classifier</a:t>
-          </a:r>
-          <a:endParaRPr lang="zh-CN" altLang="en-US" sz="2000" kern="1200" dirty="0"/>
+          <a:endParaRPr lang="zh-CN" altLang="en-US" sz="1800" kern="1200" dirty="0"/>
         </a:p>
       </dsp:txBody>
       <dsp:txXfrm>
-        <a:off x="9210319" y="368178"/>
-        <a:ext cx="1273083" cy="1034901"/>
+        <a:off x="9207973" y="499876"/>
+        <a:ext cx="1277775" cy="959496"/>
       </dsp:txXfrm>
     </dsp:sp>
     <dsp:sp modelId="{7516379C-C50D-4077-981C-6C8D9D5819C2}">
@@ -3580,9 +3657,9 @@
         <dsp:cNvSpPr/>
       </dsp:nvSpPr>
       <dsp:spPr>
-        <a:xfrm rot="2984305">
-          <a:off x="5444710" y="1686601"/>
-          <a:ext cx="1162128" cy="464890"/>
+        <a:xfrm rot="3113639">
+          <a:off x="5551545" y="1698320"/>
+          <a:ext cx="1123304" cy="464890"/>
         </a:xfrm>
         <a:prstGeom prst="rightArrow">
           <a:avLst>
@@ -3624,7 +3701,7 @@
         </a:bodyPr>
         <a:lstStyle/>
         <a:p>
-          <a:pPr lvl="0" algn="ctr" defTabSz="711200">
+          <a:pPr lvl="0" algn="ctr" defTabSz="622300">
             <a:lnSpc>
               <a:spcPct val="90000"/>
             </a:lnSpc>
@@ -3635,12 +3712,12 @@
               <a:spcPct val="35000"/>
             </a:spcAft>
           </a:pPr>
-          <a:endParaRPr lang="zh-CN" altLang="en-US" sz="1600" kern="1200"/>
+          <a:endParaRPr lang="zh-CN" altLang="en-US" sz="1400" kern="1200"/>
         </a:p>
       </dsp:txBody>
       <dsp:txXfrm rot="10800000">
-        <a:off x="5469376" y="1726365"/>
-        <a:ext cx="1022661" cy="278934"/>
+        <a:off x="5578245" y="1736427"/>
+        <a:ext cx="983837" cy="278934"/>
       </dsp:txXfrm>
     </dsp:sp>
     <dsp:sp modelId="{F226DC3B-3B05-40B9-96AA-E50673E0C595}">
@@ -3650,8 +3727,8 @@
       </dsp:nvSpPr>
       <dsp:spPr>
         <a:xfrm>
-          <a:off x="6564615" y="2303614"/>
-          <a:ext cx="1495983" cy="1916823"/>
+          <a:off x="6564615" y="2294292"/>
+          <a:ext cx="1495983" cy="1777158"/>
         </a:xfrm>
         <a:prstGeom prst="roundRect">
           <a:avLst>
@@ -3720,8 +3797,8 @@
         </a:p>
       </dsp:txBody>
       <dsp:txXfrm>
-        <a:off x="6608431" y="2347430"/>
-        <a:ext cx="1408351" cy="1829191"/>
+        <a:off x="6608431" y="2338108"/>
+        <a:ext cx="1408351" cy="1689526"/>
       </dsp:txXfrm>
     </dsp:sp>
     <dsp:sp modelId="{DC57D644-2034-49F0-ACC1-8A3409548101}">
@@ -3730,9 +3807,9 @@
         <dsp:cNvSpPr/>
       </dsp:nvSpPr>
       <dsp:spPr>
-        <a:xfrm rot="10797715">
-          <a:off x="5465888" y="3066017"/>
-          <a:ext cx="981565" cy="496712"/>
+        <a:xfrm rot="10807371">
+          <a:off x="5465939" y="2983048"/>
+          <a:ext cx="981462" cy="496712"/>
         </a:xfrm>
         <a:prstGeom prst="rightArrow">
           <a:avLst>
@@ -3774,7 +3851,7 @@
         </a:bodyPr>
         <a:lstStyle/>
         <a:p>
-          <a:pPr lvl="0" algn="ctr" defTabSz="711200">
+          <a:pPr lvl="0" algn="ctr" defTabSz="622300">
             <a:lnSpc>
               <a:spcPct val="90000"/>
             </a:lnSpc>
@@ -3785,12 +3862,12 @@
               <a:spcPct val="35000"/>
             </a:spcAft>
           </a:pPr>
-          <a:endParaRPr lang="zh-CN" altLang="en-US" sz="1600" kern="1200"/>
+          <a:endParaRPr lang="zh-CN" altLang="en-US" sz="1400" kern="1200"/>
         </a:p>
       </dsp:txBody>
       <dsp:txXfrm rot="10800000">
-        <a:off x="5614902" y="3165309"/>
-        <a:ext cx="832551" cy="298028"/>
+        <a:off x="5614953" y="3082550"/>
+        <a:ext cx="832448" cy="298028"/>
       </dsp:txXfrm>
     </dsp:sp>
     <dsp:sp modelId="{C3355515-1B56-49A3-BA42-22F4AC0F28DC}">
@@ -3800,8 +3877,8 @@
       </dsp:nvSpPr>
       <dsp:spPr>
         <a:xfrm>
-          <a:off x="2538184" y="2672950"/>
-          <a:ext cx="2845955" cy="1436921"/>
+          <a:off x="2538184" y="2636716"/>
+          <a:ext cx="2845955" cy="1332223"/>
         </a:xfrm>
         <a:prstGeom prst="roundRect">
           <a:avLst>
@@ -3846,12 +3923,12 @@
         </a:fontRef>
       </dsp:style>
       <dsp:txBody>
-        <a:bodyPr spcFirstLastPara="0" vert="horz" wrap="square" lIns="76200" tIns="76200" rIns="76200" bIns="76200" numCol="1" spcCol="1270" anchor="ctr" anchorCtr="0">
+        <a:bodyPr spcFirstLastPara="0" vert="horz" wrap="square" lIns="68580" tIns="68580" rIns="68580" bIns="68580" numCol="1" spcCol="1270" anchor="ctr" anchorCtr="0">
           <a:noAutofit/>
         </a:bodyPr>
         <a:lstStyle/>
         <a:p>
-          <a:pPr lvl="0" algn="ctr" defTabSz="889000">
+          <a:pPr lvl="0" algn="ctr" defTabSz="800100">
             <a:lnSpc>
               <a:spcPct val="90000"/>
             </a:lnSpc>
@@ -3863,12 +3940,12 @@
             </a:spcAft>
           </a:pPr>
           <a:r>
-            <a:rPr lang="en-US" altLang="zh-CN" sz="2000" kern="1200" dirty="0" smtClean="0"/>
+            <a:rPr lang="en-US" altLang="zh-CN" sz="1800" kern="1200" dirty="0" smtClean="0"/>
             <a:t>Expert label drawn data and </a:t>
           </a:r>
         </a:p>
         <a:p>
-          <a:pPr lvl="0" algn="ctr" defTabSz="889000">
+          <a:pPr lvl="0" algn="ctr" defTabSz="800100">
             <a:lnSpc>
               <a:spcPct val="90000"/>
             </a:lnSpc>
@@ -3880,15 +3957,15 @@
             </a:spcAft>
           </a:pPr>
           <a:r>
-            <a:rPr lang="en-US" altLang="zh-CN" sz="2000" kern="1200" dirty="0" smtClean="0"/>
+            <a:rPr lang="en-US" altLang="zh-CN" sz="1800" kern="1200" dirty="0" smtClean="0"/>
             <a:t>add to labeled dataset</a:t>
           </a:r>
-          <a:endParaRPr lang="zh-CN" altLang="en-US" sz="2000" kern="1200" dirty="0"/>
+          <a:endParaRPr lang="zh-CN" altLang="en-US" sz="1800" kern="1200" dirty="0"/>
         </a:p>
       </dsp:txBody>
       <dsp:txXfrm>
-        <a:off x="2580270" y="2715036"/>
-        <a:ext cx="2761783" cy="1352749"/>
+        <a:off x="2577203" y="2675735"/>
+        <a:ext cx="2767917" cy="1254185"/>
       </dsp:txXfrm>
     </dsp:sp>
   </dsp:spTree>
@@ -6362,7 +6439,7 @@
           <a:p>
             <a:fld id="{65AF9760-D758-4A59-AD73-37864DF68900}" type="datetimeFigureOut">
               <a:rPr lang="zh-CN" altLang="en-US" smtClean="0"/>
-              <a:t>2019/9/27</a:t>
+              <a:t>2019/11/12</a:t>
             </a:fld>
             <a:endParaRPr lang="zh-CN" altLang="en-US"/>
           </a:p>
@@ -6827,6 +6904,109 @@
 </p:notes>
 </file>
 
+<file path=ppt/notesSlides/notesSlide10.xml><?xml version="1.0" encoding="utf-8"?>
+<p:notes xmlns:a="http://schemas.openxmlformats.org/drawingml/2006/main" xmlns:r="http://schemas.openxmlformats.org/officeDocument/2006/relationships" xmlns:p="http://schemas.openxmlformats.org/presentationml/2006/main">
+  <p:cSld>
+    <p:spTree>
+      <p:nvGrpSpPr>
+        <p:cNvPr id="1" name=""/>
+        <p:cNvGrpSpPr/>
+        <p:nvPr/>
+      </p:nvGrpSpPr>
+      <p:grpSpPr>
+        <a:xfrm>
+          <a:off x="0" y="0"/>
+          <a:ext cx="0" cy="0"/>
+          <a:chOff x="0" y="0"/>
+          <a:chExt cx="0" cy="0"/>
+        </a:xfrm>
+      </p:grpSpPr>
+      <p:sp>
+        <p:nvSpPr>
+          <p:cNvPr id="2" name="幻灯片图像占位符 1"/>
+          <p:cNvSpPr>
+            <a:spLocks noGrp="1" noRot="1" noChangeAspect="1"/>
+          </p:cNvSpPr>
+          <p:nvPr>
+            <p:ph type="sldImg"/>
+          </p:nvPr>
+        </p:nvSpPr>
+        <p:spPr/>
+      </p:sp>
+      <p:sp>
+        <p:nvSpPr>
+          <p:cNvPr id="3" name="备注占位符 2"/>
+          <p:cNvSpPr>
+            <a:spLocks noGrp="1"/>
+          </p:cNvSpPr>
+          <p:nvPr>
+            <p:ph type="body" idx="1"/>
+          </p:nvPr>
+        </p:nvSpPr>
+        <p:spPr/>
+        <p:txBody>
+          <a:bodyPr/>
+          <a:lstStyle/>
+          <a:p>
+            <a:r>
+              <a:rPr lang="en-US" altLang="zh-CN" dirty="0" smtClean="0"/>
+              <a:t>After we suppressed the normal columns, we need to find out the matching between heavy chains and light chains.</a:t>
+            </a:r>
+          </a:p>
+          <a:p>
+            <a:endParaRPr lang="en-US" altLang="zh-CN" dirty="0" smtClean="0"/>
+          </a:p>
+          <a:p>
+            <a:endParaRPr lang="en-US" altLang="zh-CN" dirty="0" smtClean="0"/>
+          </a:p>
+          <a:p>
+            <a:r>
+              <a:rPr lang="en-US" altLang="zh-CN" dirty="0" smtClean="0"/>
+              <a:t>An advantage of the GMM is that the means of the Gaussian components is already calculated, so that rule-based method based on GMM is effective.</a:t>
+            </a:r>
+            <a:endParaRPr lang="zh-CN" altLang="en-US" dirty="0" smtClean="0"/>
+          </a:p>
+          <a:p>
+            <a:endParaRPr lang="zh-CN" altLang="en-US" dirty="0"/>
+          </a:p>
+        </p:txBody>
+      </p:sp>
+      <p:sp>
+        <p:nvSpPr>
+          <p:cNvPr id="4" name="灯片编号占位符 3"/>
+          <p:cNvSpPr>
+            <a:spLocks noGrp="1"/>
+          </p:cNvSpPr>
+          <p:nvPr>
+            <p:ph type="sldNum" sz="quarter" idx="10"/>
+          </p:nvPr>
+        </p:nvSpPr>
+        <p:spPr/>
+        <p:txBody>
+          <a:bodyPr/>
+          <a:lstStyle/>
+          <a:p>
+            <a:fld id="{92E028E7-892D-4F93-95A0-0B93792622E5}" type="slidenum">
+              <a:rPr lang="zh-CN" altLang="en-US" smtClean="0"/>
+              <a:t>12</a:t>
+            </a:fld>
+            <a:endParaRPr lang="zh-CN" altLang="en-US"/>
+          </a:p>
+        </p:txBody>
+      </p:sp>
+    </p:spTree>
+    <p:extLst>
+      <p:ext uri="{BB962C8B-B14F-4D97-AF65-F5344CB8AC3E}">
+        <p14:creationId xmlns:p14="http://schemas.microsoft.com/office/powerpoint/2010/main" val="1488092236"/>
+      </p:ext>
+    </p:extLst>
+  </p:cSld>
+  <p:clrMapOvr>
+    <a:masterClrMapping/>
+  </p:clrMapOvr>
+</p:notes>
+</file>
+
 <file path=ppt/notesSlides/notesSlide2.xml><?xml version="1.0" encoding="utf-8"?>
 <p:notes xmlns:a="http://schemas.openxmlformats.org/drawingml/2006/main" xmlns:r="http://schemas.openxmlformats.org/officeDocument/2006/relationships" xmlns:p="http://schemas.openxmlformats.org/presentationml/2006/main">
   <p:cSld>
@@ -7342,45 +7522,134 @@
           <a:bodyPr/>
           <a:lstStyle/>
           <a:p>
+            <a:pPr marL="0" marR="0" lvl="0" indent="0" algn="l" defTabSz="914400" rtl="0" eaLnBrk="1" fontAlgn="auto" latinLnBrk="0" hangingPunct="1">
+              <a:lnSpc>
+                <a:spcPct val="100000"/>
+              </a:lnSpc>
+              <a:spcBef>
+                <a:spcPts val="0"/>
+              </a:spcBef>
+              <a:spcAft>
+                <a:spcPts val="0"/>
+              </a:spcAft>
+              <a:buClrTx/>
+              <a:buSzTx/>
+              <a:buFontTx/>
+              <a:buNone/>
+              <a:tabLst/>
+              <a:defRPr/>
+            </a:pPr>
+            <a:r>
+              <a:rPr lang="en-US" altLang="zh-CN" sz="1200" dirty="0" smtClean="0">
+                <a:solidFill>
+                  <a:srgbClr val="FF0000"/>
+                </a:solidFill>
+              </a:rPr>
+              <a:t>The task should be clear, and labeled data is needed. Should be easily transformed in to classification or regression</a:t>
+            </a:r>
+            <a:endParaRPr lang="en-US" altLang="zh-CN" dirty="0" smtClean="0"/>
+          </a:p>
+          <a:p>
+            <a:pPr marL="0" marR="0" lvl="0" indent="0" algn="l" defTabSz="914400" rtl="0" eaLnBrk="1" fontAlgn="auto" latinLnBrk="0" hangingPunct="1">
+              <a:lnSpc>
+                <a:spcPct val="100000"/>
+              </a:lnSpc>
+              <a:spcBef>
+                <a:spcPts val="0"/>
+              </a:spcBef>
+              <a:spcAft>
+                <a:spcPts val="0"/>
+              </a:spcAft>
+              <a:buClrTx/>
+              <a:buSzTx/>
+              <a:buFontTx/>
+              <a:buNone/>
+              <a:tabLst/>
+              <a:defRPr/>
+            </a:pPr>
             <a:r>
               <a:rPr lang="en-US" altLang="zh-CN" dirty="0" smtClean="0"/>
-              <a:t>A cluster method assuming that data is sampled from the mixture of a few Gaussian distributions.</a:t>
-            </a:r>
-          </a:p>
-          <a:p>
-            <a:r>
-              <a:rPr lang="en-US" altLang="zh-CN" dirty="0" smtClean="0"/>
-              <a:t>Use EM algorithm to optimize the parameters of Gaussian in order to maximize the posterior likelihood of given data sample.</a:t>
-            </a:r>
-          </a:p>
-          <a:p>
-            <a:endParaRPr lang="zh-CN" altLang="en-US" dirty="0" smtClean="0"/>
-          </a:p>
-          <a:p>
-            <a:r>
-              <a:rPr lang="en-US" altLang="zh-CN" dirty="0" smtClean="0"/>
-              <a:t>The blue one</a:t>
+              <a:t>Machine</a:t>
             </a:r>
             <a:r>
               <a:rPr lang="en-US" altLang="zh-CN" baseline="0" dirty="0" smtClean="0"/>
-              <a:t> in the picture on the right</a:t>
-            </a:r>
-            <a:r>
-              <a:rPr lang="en-US" altLang="zh-CN" dirty="0" smtClean="0"/>
-              <a:t> is the density curve that is derived directly from the IFE image on the left.</a:t>
-            </a:r>
-          </a:p>
-          <a:p>
-            <a:endParaRPr lang="en-US" altLang="zh-CN" dirty="0" smtClean="0"/>
-          </a:p>
-          <a:p>
-            <a:r>
-              <a:rPr lang="en-US" altLang="zh-CN" dirty="0" smtClean="0"/>
-              <a:t>We can treat the density</a:t>
-            </a:r>
+              <a:t> learning are involved in the binary classification of one column.</a:t>
+            </a:r>
+          </a:p>
+          <a:p>
+            <a:endParaRPr lang="en-US" altLang="zh-CN" baseline="0" dirty="0" smtClean="0"/>
+          </a:p>
+          <a:p>
+            <a:pPr marL="0" marR="0" lvl="0" indent="0" algn="l" defTabSz="914400" rtl="0" eaLnBrk="1" fontAlgn="auto" latinLnBrk="0" hangingPunct="1">
+              <a:lnSpc>
+                <a:spcPct val="100000"/>
+              </a:lnSpc>
+              <a:spcBef>
+                <a:spcPts val="0"/>
+              </a:spcBef>
+              <a:spcAft>
+                <a:spcPts val="0"/>
+              </a:spcAft>
+              <a:buClrTx/>
+              <a:buSzTx/>
+              <a:buFontTx/>
+              <a:buNone/>
+              <a:tabLst/>
+              <a:defRPr/>
+            </a:pPr>
+            <a:r>
+              <a:rPr lang="en-US" altLang="zh-CN" sz="1200" dirty="0" smtClean="0">
+                <a:solidFill>
+                  <a:srgbClr val="FF0000"/>
+                </a:solidFill>
+              </a:rPr>
+              <a:t>The rules should be clear and the number of parameters involved should be as small as possible</a:t>
+            </a:r>
+            <a:endParaRPr lang="zh-CN" altLang="en-US" sz="1200" dirty="0" smtClean="0">
+              <a:solidFill>
+                <a:srgbClr val="FF0000"/>
+              </a:solidFill>
+            </a:endParaRPr>
+          </a:p>
+          <a:p>
+            <a:pPr marL="0" marR="0" lvl="0" indent="0" algn="l" defTabSz="914400" rtl="0" eaLnBrk="1" fontAlgn="auto" latinLnBrk="0" hangingPunct="1">
+              <a:lnSpc>
+                <a:spcPct val="100000"/>
+              </a:lnSpc>
+              <a:spcBef>
+                <a:spcPts val="0"/>
+              </a:spcBef>
+              <a:spcAft>
+                <a:spcPts val="0"/>
+              </a:spcAft>
+              <a:buClrTx/>
+              <a:buSzTx/>
+              <a:buFontTx/>
+              <a:buNone/>
+              <a:tabLst/>
+              <a:defRPr/>
+            </a:pPr>
             <a:r>
               <a:rPr lang="en-US" altLang="zh-CN" baseline="0" dirty="0" smtClean="0"/>
-              <a:t> as the data sample, and thus find out the latent parameters of Gaussian distribution. In other words, we assume that the density curve is the summation of a few Gaussian components that correspond to the polyclonal or monoclonal bands in the original image. Finally, a density curve that has length 300 can be represented by(empirically) 3 Gaussian components, or 9 Gaussian parameters.</a:t>
+              <a:t>Finding the position of bands and matching between columns can be done by rules.</a:t>
+            </a:r>
+            <a:r>
+              <a:rPr lang="en-US" altLang="zh-CN" sz="1200" dirty="0" smtClean="0">
+                <a:solidFill>
+                  <a:srgbClr val="FF0000"/>
+                </a:solidFill>
+              </a:rPr>
+              <a:t> </a:t>
+            </a:r>
+            <a:endParaRPr lang="en-US" altLang="zh-CN" baseline="0" dirty="0" smtClean="0"/>
+          </a:p>
+          <a:p>
+            <a:endParaRPr lang="en-US" altLang="zh-CN" baseline="0" dirty="0" smtClean="0"/>
+          </a:p>
+          <a:p>
+            <a:r>
+              <a:rPr lang="en-US" altLang="zh-CN" baseline="0" dirty="0" smtClean="0"/>
+              <a:t>Hand crafted rules based on edge detection and GMM have achieved 90% accuracy, but fine-tuning of the parameters can only be done in a tiny dataset, thus its generalization is poor. </a:t>
             </a:r>
             <a:endParaRPr lang="zh-CN" altLang="en-US" dirty="0"/>
           </a:p>
@@ -7403,7 +7672,7 @@
           <a:p>
             <a:fld id="{92E028E7-892D-4F93-95A0-0B93792622E5}" type="slidenum">
               <a:rPr lang="zh-CN" altLang="en-US" smtClean="0"/>
-              <a:t>6</a:t>
+              <a:t>5</a:t>
             </a:fld>
             <a:endParaRPr lang="zh-CN" altLang="en-US"/>
           </a:p>
@@ -7412,7 +7681,7 @@
     </p:spTree>
     <p:extLst>
       <p:ext uri="{BB962C8B-B14F-4D97-AF65-F5344CB8AC3E}">
-        <p14:creationId xmlns:p14="http://schemas.microsoft.com/office/powerpoint/2010/main" val="1089604981"/>
+        <p14:creationId xmlns:p14="http://schemas.microsoft.com/office/powerpoint/2010/main" val="574904746"/>
       </p:ext>
     </p:extLst>
   </p:cSld>
@@ -7467,38 +7736,44 @@
           <a:lstStyle/>
           <a:p>
             <a:r>
-              <a:rPr lang="en-US" altLang="zh-CN" sz="1200" b="0" i="0" u="none" strike="noStrike" kern="1200" baseline="0" dirty="0" smtClean="0">
-                <a:solidFill>
-                  <a:schemeClr val="tx1"/>
-                </a:solidFill>
-                <a:latin typeface="+mn-lt"/>
-                <a:ea typeface="+mn-ea"/>
-                <a:cs typeface="+mn-cs"/>
-              </a:rPr>
-              <a:t>GAN plays a minimax game between the generator and the discriminator by training them simultaneously but with different goals. The discriminator tries to distinguish fake images generated by generator while the generator tries to generate images as real as possible to fool the discriminator.</a:t>
-            </a:r>
-          </a:p>
-          <a:p>
-            <a:endParaRPr lang="en-US" altLang="zh-CN" sz="1200" b="0" i="0" u="none" strike="noStrike" kern="1200" baseline="0" dirty="0" smtClean="0">
-              <a:solidFill>
-                <a:schemeClr val="tx1"/>
-              </a:solidFill>
-              <a:latin typeface="+mn-lt"/>
-              <a:ea typeface="+mn-ea"/>
-              <a:cs typeface="+mn-cs"/>
-            </a:endParaRPr>
-          </a:p>
-          <a:p>
-            <a:r>
-              <a:rPr lang="en-US" altLang="zh-CN" sz="1200" b="0" i="0" u="none" strike="noStrike" kern="1200" baseline="0" dirty="0" smtClean="0">
-                <a:solidFill>
-                  <a:schemeClr val="tx1"/>
-                </a:solidFill>
-                <a:latin typeface="+mn-lt"/>
-                <a:ea typeface="+mn-ea"/>
-                <a:cs typeface="+mn-cs"/>
-              </a:rPr>
-              <a:t>VAE tries to develop a generative model in a variation inference kind of way. It tries to capture the most important latent variables that determine how real data are formed. Although more robust to small perturbations in latent space, VAE tends to lose more graphic details(more blurry) when reconstructing the input data compared to GAN due to its pixel-wise reconstruction loss.</a:t>
+              <a:rPr lang="en-US" altLang="zh-CN" dirty="0" smtClean="0"/>
+              <a:t>A cluster method assuming that data is sampled from the mixture of a few Gaussian distributions.</a:t>
+            </a:r>
+          </a:p>
+          <a:p>
+            <a:r>
+              <a:rPr lang="en-US" altLang="zh-CN" dirty="0" smtClean="0"/>
+              <a:t>Use EM algorithm to optimize the parameters of Gaussian in order to maximize the posterior likelihood of given data sample.</a:t>
+            </a:r>
+          </a:p>
+          <a:p>
+            <a:endParaRPr lang="zh-CN" altLang="en-US" dirty="0" smtClean="0"/>
+          </a:p>
+          <a:p>
+            <a:r>
+              <a:rPr lang="en-US" altLang="zh-CN" dirty="0" smtClean="0"/>
+              <a:t>The blue one</a:t>
+            </a:r>
+            <a:r>
+              <a:rPr lang="en-US" altLang="zh-CN" baseline="0" dirty="0" smtClean="0"/>
+              <a:t> in the picture on the right</a:t>
+            </a:r>
+            <a:r>
+              <a:rPr lang="en-US" altLang="zh-CN" dirty="0" smtClean="0"/>
+              <a:t> is the density curve that is derived directly from the IFE image on the left.</a:t>
+            </a:r>
+          </a:p>
+          <a:p>
+            <a:endParaRPr lang="en-US" altLang="zh-CN" dirty="0" smtClean="0"/>
+          </a:p>
+          <a:p>
+            <a:r>
+              <a:rPr lang="en-US" altLang="zh-CN" dirty="0" smtClean="0"/>
+              <a:t>We can treat the density</a:t>
+            </a:r>
+            <a:r>
+              <a:rPr lang="en-US" altLang="zh-CN" baseline="0" dirty="0" smtClean="0"/>
+              <a:t> as the data sample, and thus find out the latent parameters of Gaussian distribution. In other words, we assume that the density curve is the summation of a few Gaussian components that correspond to the polyclonal or monoclonal bands in the original image. Finally, a density curve that has length 300 can be represented by(empirically) 3 Gaussian components, or 9 Gaussian parameters.</a:t>
             </a:r>
             <a:endParaRPr lang="zh-CN" altLang="en-US" dirty="0"/>
           </a:p>
@@ -7530,7 +7805,7 @@
     </p:spTree>
     <p:extLst>
       <p:ext uri="{BB962C8B-B14F-4D97-AF65-F5344CB8AC3E}">
-        <p14:creationId xmlns:p14="http://schemas.microsoft.com/office/powerpoint/2010/main" val="1727762911"/>
+        <p14:creationId xmlns:p14="http://schemas.microsoft.com/office/powerpoint/2010/main" val="1089604981"/>
       </p:ext>
     </p:extLst>
   </p:cSld>
@@ -7593,7 +7868,7 @@
                 <a:ea typeface="+mn-ea"/>
                 <a:cs typeface="+mn-cs"/>
               </a:rPr>
-              <a:t>active learning tries to pick the most informative data to label so that models can learn better when the total number of labeled data is limited</a:t>
+              <a:t>GAN plays a minimax game between the generator and the discriminator by training them simultaneously but with different goals. The discriminator tries to distinguish fake images generated by generator while the generator tries to generate images as real as possible to fool the discriminator.</a:t>
             </a:r>
           </a:p>
           <a:p>
@@ -7616,75 +7891,7 @@
                 <a:ea typeface="+mn-ea"/>
                 <a:cs typeface="+mn-cs"/>
               </a:rPr>
-              <a:t>As you can see this is the iterative process of active learning.</a:t>
-            </a:r>
-          </a:p>
-          <a:p>
-            <a:endParaRPr lang="en-US" altLang="zh-CN" sz="1200" b="0" i="0" u="none" strike="noStrike" kern="1200" baseline="0" dirty="0" smtClean="0">
-              <a:solidFill>
-                <a:schemeClr val="tx1"/>
-              </a:solidFill>
-              <a:latin typeface="+mn-lt"/>
-              <a:ea typeface="+mn-ea"/>
-              <a:cs typeface="+mn-cs"/>
-            </a:endParaRPr>
-          </a:p>
-          <a:p>
-            <a:r>
-              <a:rPr lang="en-US" altLang="zh-CN" sz="1200" b="0" i="0" u="none" strike="noStrike" kern="1200" baseline="0" dirty="0" smtClean="0">
-                <a:solidFill>
-                  <a:schemeClr val="tx1"/>
-                </a:solidFill>
-                <a:latin typeface="+mn-lt"/>
-                <a:ea typeface="+mn-ea"/>
-                <a:cs typeface="+mn-cs"/>
-              </a:rPr>
-              <a:t>Pool-based active learning gather a large pool of unlabeled data and ranks their </a:t>
-            </a:r>
-            <a:r>
-              <a:rPr lang="en-US" altLang="zh-CN" sz="1200" b="0" i="0" u="none" strike="noStrike" kern="1200" baseline="0" dirty="0" err="1" smtClean="0">
-                <a:solidFill>
-                  <a:schemeClr val="tx1"/>
-                </a:solidFill>
-                <a:latin typeface="+mn-lt"/>
-                <a:ea typeface="+mn-ea"/>
-                <a:cs typeface="+mn-cs"/>
-              </a:rPr>
-              <a:t>informativeness</a:t>
-            </a:r>
-            <a:r>
-              <a:rPr lang="en-US" altLang="zh-CN" sz="1200" b="0" i="0" u="none" strike="noStrike" kern="1200" baseline="0" dirty="0" smtClean="0">
-                <a:solidFill>
-                  <a:schemeClr val="tx1"/>
-                </a:solidFill>
-                <a:latin typeface="+mn-lt"/>
-                <a:ea typeface="+mn-ea"/>
-                <a:cs typeface="+mn-cs"/>
-              </a:rPr>
-              <a:t> according to an acquisition function that may coevolve with the task learner in the training process.</a:t>
-            </a:r>
-          </a:p>
-          <a:p>
-            <a:endParaRPr lang="en-US" altLang="zh-CN" sz="1200" b="0" i="0" u="none" strike="noStrike" kern="1200" baseline="0" dirty="0" smtClean="0">
-              <a:solidFill>
-                <a:schemeClr val="tx1"/>
-              </a:solidFill>
-              <a:latin typeface="+mn-lt"/>
-              <a:ea typeface="+mn-ea"/>
-              <a:cs typeface="+mn-cs"/>
-            </a:endParaRPr>
-          </a:p>
-          <a:p>
-            <a:r>
-              <a:rPr lang="en-US" altLang="zh-CN" sz="1200" b="0" i="0" u="none" strike="noStrike" kern="1200" baseline="0" dirty="0" smtClean="0">
-                <a:solidFill>
-                  <a:schemeClr val="tx1"/>
-                </a:solidFill>
-                <a:latin typeface="+mn-lt"/>
-                <a:ea typeface="+mn-ea"/>
-                <a:cs typeface="+mn-cs"/>
-              </a:rPr>
-              <a:t>However, if we generate new data instead of picking data from the pool, if the generative model is assured to be effective, then we may achieve results with better quality and quantity.</a:t>
+              <a:t>VAE tries to develop a generative model in a variation inference kind of way. It tries to capture the most important latent variables that determine how real data are formed. Although more robust to small perturbations in latent space, VAE tends to lose more graphic details(more blurry) when reconstructing the input data compared to GAN due to its pixel-wise reconstruction loss.</a:t>
             </a:r>
             <a:endParaRPr lang="zh-CN" altLang="en-US" dirty="0"/>
           </a:p>
@@ -7716,7 +7923,7 @@
     </p:spTree>
     <p:extLst>
       <p:ext uri="{BB962C8B-B14F-4D97-AF65-F5344CB8AC3E}">
-        <p14:creationId xmlns:p14="http://schemas.microsoft.com/office/powerpoint/2010/main" val="679132630"/>
+        <p14:creationId xmlns:p14="http://schemas.microsoft.com/office/powerpoint/2010/main" val="1727762911"/>
       </p:ext>
     </p:extLst>
   </p:cSld>
@@ -7779,7 +7986,7 @@
                 <a:ea typeface="+mn-ea"/>
                 <a:cs typeface="+mn-cs"/>
               </a:rPr>
-              <a:t>First we need to filter those normal columns so that we will not waste time trying to match the polyclonal bands in these columns with others.</a:t>
+              <a:t>active learning tries to pick the most informative data to label so that models can learn better when the total number of labeled data is limited</a:t>
             </a:r>
           </a:p>
           <a:p>
@@ -7802,7 +8009,7 @@
                 <a:ea typeface="+mn-ea"/>
                 <a:cs typeface="+mn-cs"/>
               </a:rPr>
-              <a:t>On the right is the process of the filter. If the representation is GAN or VAE etc., it will be trained on the large unlabeled dataset. The representation should be bidirectional because expert cannot label the latent vector, which means that we should transform it back to data space for them. The classifier receives 9 dimension latent vector and returns 0/1. 9 dimension is empirical(3 Gaussian component is 9 dimensions).</a:t>
+              <a:t>As you can see this is the iterative process of active learning.</a:t>
             </a:r>
           </a:p>
           <a:p>
@@ -7825,7 +8032,52 @@
                 <a:ea typeface="+mn-ea"/>
                 <a:cs typeface="+mn-cs"/>
               </a:rPr>
-              <a:t>Our framework consists of two steps: the first one is to train of a bidirectional generative model; and next we iteratively conduct the active learning process where we sample data points in latent space according to the acquisition function, transform it to 300 dimension signal for human experts to label, then put the labeled latent space data back to training set. Generative model will be fixed after the first step. All the data picking process are conducted in the latent variable space.</a:t>
+              <a:t>Pool-based active learning gather a large pool of unlabeled data and ranks their </a:t>
+            </a:r>
+            <a:r>
+              <a:rPr lang="en-US" altLang="zh-CN" sz="1200" b="0" i="0" u="none" strike="noStrike" kern="1200" baseline="0" dirty="0" err="1" smtClean="0">
+                <a:solidFill>
+                  <a:schemeClr val="tx1"/>
+                </a:solidFill>
+                <a:latin typeface="+mn-lt"/>
+                <a:ea typeface="+mn-ea"/>
+                <a:cs typeface="+mn-cs"/>
+              </a:rPr>
+              <a:t>informativeness</a:t>
+            </a:r>
+            <a:r>
+              <a:rPr lang="en-US" altLang="zh-CN" sz="1200" b="0" i="0" u="none" strike="noStrike" kern="1200" baseline="0" dirty="0" smtClean="0">
+                <a:solidFill>
+                  <a:schemeClr val="tx1"/>
+                </a:solidFill>
+                <a:latin typeface="+mn-lt"/>
+                <a:ea typeface="+mn-ea"/>
+                <a:cs typeface="+mn-cs"/>
+              </a:rPr>
+              <a:t> according to an acquisition function that may coevolve with the task learner in the training process.</a:t>
+            </a:r>
+          </a:p>
+          <a:p>
+            <a:endParaRPr lang="en-US" altLang="zh-CN" sz="1200" b="0" i="0" u="none" strike="noStrike" kern="1200" baseline="0" dirty="0" smtClean="0">
+              <a:solidFill>
+                <a:schemeClr val="tx1"/>
+              </a:solidFill>
+              <a:latin typeface="+mn-lt"/>
+              <a:ea typeface="+mn-ea"/>
+              <a:cs typeface="+mn-cs"/>
+            </a:endParaRPr>
+          </a:p>
+          <a:p>
+            <a:r>
+              <a:rPr lang="en-US" altLang="zh-CN" sz="1200" b="0" i="0" u="none" strike="noStrike" kern="1200" baseline="0" dirty="0" smtClean="0">
+                <a:solidFill>
+                  <a:schemeClr val="tx1"/>
+                </a:solidFill>
+                <a:latin typeface="+mn-lt"/>
+                <a:ea typeface="+mn-ea"/>
+                <a:cs typeface="+mn-cs"/>
+              </a:rPr>
+              <a:t>However, if we generate new data instead of picking data from the pool, if the generative model is assured to be effective, then we may achieve results with better quality and quantity.</a:t>
             </a:r>
             <a:endParaRPr lang="zh-CN" altLang="en-US" dirty="0"/>
           </a:p>
@@ -7857,7 +8109,7 @@
     </p:spTree>
     <p:extLst>
       <p:ext uri="{BB962C8B-B14F-4D97-AF65-F5344CB8AC3E}">
-        <p14:creationId xmlns:p14="http://schemas.microsoft.com/office/powerpoint/2010/main" val="1191772659"/>
+        <p14:creationId xmlns:p14="http://schemas.microsoft.com/office/powerpoint/2010/main" val="679132630"/>
       </p:ext>
     </p:extLst>
   </p:cSld>
@@ -7920,19 +8172,20 @@
                 <a:ea typeface="+mn-ea"/>
                 <a:cs typeface="+mn-cs"/>
               </a:rPr>
-              <a:t>The choice of Representation is determined by its reconstruction error, best accuracy among all classifiers, and </a:t>
-            </a:r>
-            <a:r>
-              <a:rPr lang="en-US" altLang="zh-CN" sz="1200" b="0" i="0" u="none" strike="noStrike" kern="1200" baseline="0" dirty="0" err="1" smtClean="0">
-                <a:solidFill>
-                  <a:schemeClr val="tx1"/>
-                </a:solidFill>
-                <a:latin typeface="+mn-lt"/>
-                <a:ea typeface="+mn-ea"/>
-                <a:cs typeface="+mn-cs"/>
-              </a:rPr>
-              <a:t>explainability</a:t>
-            </a:r>
+              <a:t>First we need to filter those normal columns so that we will not waste time trying to match the polyclonal bands in these columns with others.</a:t>
+            </a:r>
+          </a:p>
+          <a:p>
+            <a:endParaRPr lang="en-US" altLang="zh-CN" sz="1200" b="0" i="0" u="none" strike="noStrike" kern="1200" baseline="0" dirty="0" smtClean="0">
+              <a:solidFill>
+                <a:schemeClr val="tx1"/>
+              </a:solidFill>
+              <a:latin typeface="+mn-lt"/>
+              <a:ea typeface="+mn-ea"/>
+              <a:cs typeface="+mn-cs"/>
+            </a:endParaRPr>
+          </a:p>
+          <a:p>
             <a:r>
               <a:rPr lang="en-US" altLang="zh-CN" sz="1200" b="0" i="0" u="none" strike="noStrike" kern="1200" baseline="0" dirty="0" smtClean="0">
                 <a:solidFill>
@@ -7942,7 +8195,7 @@
                 <a:ea typeface="+mn-ea"/>
                 <a:cs typeface="+mn-cs"/>
               </a:rPr>
-              <a:t>.</a:t>
+              <a:t>On the right is the process of the filter. If the representation is GAN or VAE etc., it will be trained on the large unlabeled dataset. The representation should be bidirectional because expert cannot label the latent vector, which means that we should transform it back to data space for them. The classifier receives 9 dimension latent vector and returns 0/1. 9 dimension is empirical(3 Gaussian component is 9 dimensions).</a:t>
             </a:r>
           </a:p>
           <a:p>
@@ -7965,52 +8218,7 @@
                 <a:ea typeface="+mn-ea"/>
                 <a:cs typeface="+mn-cs"/>
               </a:rPr>
-              <a:t>The classifier we choose should be compatible with active learning process, which means that it should yield uncertainty or </a:t>
-            </a:r>
-            <a:r>
-              <a:rPr lang="en-US" altLang="zh-CN" sz="1200" b="0" i="0" u="none" strike="noStrike" kern="1200" baseline="0" dirty="0" err="1" smtClean="0">
-                <a:solidFill>
-                  <a:schemeClr val="tx1"/>
-                </a:solidFill>
-                <a:latin typeface="+mn-lt"/>
-                <a:ea typeface="+mn-ea"/>
-                <a:cs typeface="+mn-cs"/>
-              </a:rPr>
-              <a:t>imformativeness</a:t>
-            </a:r>
-            <a:r>
-              <a:rPr lang="en-US" altLang="zh-CN" sz="1200" b="0" i="0" u="none" strike="noStrike" kern="1200" baseline="0" dirty="0" smtClean="0">
-                <a:solidFill>
-                  <a:schemeClr val="tx1"/>
-                </a:solidFill>
-                <a:latin typeface="+mn-lt"/>
-                <a:ea typeface="+mn-ea"/>
-                <a:cs typeface="+mn-cs"/>
-              </a:rPr>
-              <a:t>.</a:t>
-            </a:r>
-          </a:p>
-          <a:p>
-            <a:endParaRPr lang="en-US" altLang="zh-CN" sz="1200" b="0" i="0" u="none" strike="noStrike" kern="1200" baseline="0" dirty="0" smtClean="0">
-              <a:solidFill>
-                <a:schemeClr val="tx1"/>
-              </a:solidFill>
-              <a:latin typeface="+mn-lt"/>
-              <a:ea typeface="+mn-ea"/>
-              <a:cs typeface="+mn-cs"/>
-            </a:endParaRPr>
-          </a:p>
-          <a:p>
-            <a:r>
-              <a:rPr lang="en-US" altLang="zh-CN" sz="1200" b="0" i="0" u="none" strike="noStrike" kern="1200" baseline="0" dirty="0" smtClean="0">
-                <a:solidFill>
-                  <a:schemeClr val="tx1"/>
-                </a:solidFill>
-                <a:latin typeface="+mn-lt"/>
-                <a:ea typeface="+mn-ea"/>
-                <a:cs typeface="+mn-cs"/>
-              </a:rPr>
-              <a:t>For now active learning is not enabled, and representation are trained on synthetic data, and the best combination is GMM and hand crafted rules.</a:t>
+              <a:t>Our framework consists of two steps: the first one is to train of a bidirectional generative model; and next we iteratively conduct the active learning process where we sample data points in latent space according to the acquisition function, transform it to 300 dimension signal for human experts to label, then put the labeled latent space data back to training set. Generative model will be fixed after the first step. All the data picking process are conducted in the latent variable space.</a:t>
             </a:r>
             <a:endParaRPr lang="zh-CN" altLang="en-US" dirty="0"/>
           </a:p>
@@ -8042,7 +8250,7 @@
     </p:spTree>
     <p:extLst>
       <p:ext uri="{BB962C8B-B14F-4D97-AF65-F5344CB8AC3E}">
-        <p14:creationId xmlns:p14="http://schemas.microsoft.com/office/powerpoint/2010/main" val="888456141"/>
+        <p14:creationId xmlns:p14="http://schemas.microsoft.com/office/powerpoint/2010/main" val="1191772659"/>
       </p:ext>
     </p:extLst>
   </p:cSld>
@@ -8097,24 +8305,106 @@
           <a:lstStyle/>
           <a:p>
             <a:r>
-              <a:rPr lang="en-US" altLang="zh-CN" dirty="0" smtClean="0"/>
-              <a:t>After we suppressed the normal columns, we need to find out the matching between heavy chains and light chains.</a:t>
-            </a:r>
-          </a:p>
-          <a:p>
-            <a:endParaRPr lang="en-US" altLang="zh-CN" dirty="0" smtClean="0"/>
-          </a:p>
-          <a:p>
-            <a:endParaRPr lang="en-US" altLang="zh-CN" dirty="0" smtClean="0"/>
-          </a:p>
-          <a:p>
-            <a:r>
-              <a:rPr lang="en-US" altLang="zh-CN" dirty="0" smtClean="0"/>
-              <a:t>An advantage of the GMM is that the means of the Gaussian components is already calculated, so that rule-based method based on GMM is effective.</a:t>
-            </a:r>
-            <a:endParaRPr lang="zh-CN" altLang="en-US" dirty="0" smtClean="0"/>
-          </a:p>
-          <a:p>
+              <a:rPr lang="en-US" altLang="zh-CN" sz="1200" b="0" i="0" u="none" strike="noStrike" kern="1200" baseline="0" dirty="0" smtClean="0">
+                <a:solidFill>
+                  <a:schemeClr val="tx1"/>
+                </a:solidFill>
+                <a:latin typeface="+mn-lt"/>
+                <a:ea typeface="+mn-ea"/>
+                <a:cs typeface="+mn-cs"/>
+              </a:rPr>
+              <a:t>The choice of Representation is determined by its reconstruction error, best accuracy among all classifiers, and </a:t>
+            </a:r>
+            <a:r>
+              <a:rPr lang="en-US" altLang="zh-CN" sz="1200" b="0" i="0" u="none" strike="noStrike" kern="1200" baseline="0" dirty="0" err="1" smtClean="0">
+                <a:solidFill>
+                  <a:schemeClr val="tx1"/>
+                </a:solidFill>
+                <a:latin typeface="+mn-lt"/>
+                <a:ea typeface="+mn-ea"/>
+                <a:cs typeface="+mn-cs"/>
+              </a:rPr>
+              <a:t>explainability</a:t>
+            </a:r>
+            <a:r>
+              <a:rPr lang="en-US" altLang="zh-CN" sz="1200" b="0" i="0" u="none" strike="noStrike" kern="1200" baseline="0" dirty="0" smtClean="0">
+                <a:solidFill>
+                  <a:schemeClr val="tx1"/>
+                </a:solidFill>
+                <a:latin typeface="+mn-lt"/>
+                <a:ea typeface="+mn-ea"/>
+                <a:cs typeface="+mn-cs"/>
+              </a:rPr>
+              <a:t>.</a:t>
+            </a:r>
+          </a:p>
+          <a:p>
+            <a:endParaRPr lang="en-US" altLang="zh-CN" sz="1200" b="0" i="0" u="none" strike="noStrike" kern="1200" baseline="0" dirty="0" smtClean="0">
+              <a:solidFill>
+                <a:schemeClr val="tx1"/>
+              </a:solidFill>
+              <a:latin typeface="+mn-lt"/>
+              <a:ea typeface="+mn-ea"/>
+              <a:cs typeface="+mn-cs"/>
+            </a:endParaRPr>
+          </a:p>
+          <a:p>
+            <a:r>
+              <a:rPr lang="en-US" altLang="zh-CN" sz="1200" b="0" i="0" u="none" strike="noStrike" kern="1200" baseline="0" dirty="0" smtClean="0">
+                <a:solidFill>
+                  <a:schemeClr val="tx1"/>
+                </a:solidFill>
+                <a:latin typeface="+mn-lt"/>
+                <a:ea typeface="+mn-ea"/>
+                <a:cs typeface="+mn-cs"/>
+              </a:rPr>
+              <a:t>The classifier we choose should be compatible with active learning process, which means that it should yield uncertainty or </a:t>
+            </a:r>
+            <a:r>
+              <a:rPr lang="en-US" altLang="zh-CN" sz="1200" b="0" i="0" u="none" strike="noStrike" kern="1200" baseline="0" dirty="0" err="1" smtClean="0">
+                <a:solidFill>
+                  <a:schemeClr val="tx1"/>
+                </a:solidFill>
+                <a:latin typeface="+mn-lt"/>
+                <a:ea typeface="+mn-ea"/>
+                <a:cs typeface="+mn-cs"/>
+              </a:rPr>
+              <a:t>imformativeness</a:t>
+            </a:r>
+            <a:r>
+              <a:rPr lang="en-US" altLang="zh-CN" sz="1200" b="0" i="0" u="none" strike="noStrike" kern="1200" baseline="0" dirty="0" smtClean="0">
+                <a:solidFill>
+                  <a:schemeClr val="tx1"/>
+                </a:solidFill>
+                <a:latin typeface="+mn-lt"/>
+                <a:ea typeface="+mn-ea"/>
+                <a:cs typeface="+mn-cs"/>
+              </a:rPr>
+              <a:t>.</a:t>
+            </a:r>
+          </a:p>
+          <a:p>
+            <a:endParaRPr lang="en-US" altLang="zh-CN" sz="1200" b="0" i="0" u="none" strike="noStrike" kern="1200" baseline="0" dirty="0" smtClean="0">
+              <a:solidFill>
+                <a:schemeClr val="tx1"/>
+              </a:solidFill>
+              <a:latin typeface="+mn-lt"/>
+              <a:ea typeface="+mn-ea"/>
+              <a:cs typeface="+mn-cs"/>
+            </a:endParaRPr>
+          </a:p>
+          <a:p>
+            <a:r>
+              <a:rPr lang="en-US" altLang="zh-CN" sz="1200" b="0" i="0" u="none" strike="noStrike" kern="1200" baseline="0" dirty="0" smtClean="0">
+                <a:solidFill>
+                  <a:schemeClr val="tx1"/>
+                </a:solidFill>
+                <a:latin typeface="+mn-lt"/>
+                <a:ea typeface="+mn-ea"/>
+                <a:cs typeface="+mn-cs"/>
+              </a:rPr>
+              <a:t>For now active learning is not enabled, and representation are trained on synthetic data, and the best combination is GMM and hand crafted rules.</a:t>
+            </a:r>
             <a:endParaRPr lang="zh-CN" altLang="en-US" dirty="0"/>
           </a:p>
         </p:txBody>
@@ -8145,7 +8435,7 @@
     </p:spTree>
     <p:extLst>
       <p:ext uri="{BB962C8B-B14F-4D97-AF65-F5344CB8AC3E}">
-        <p14:creationId xmlns:p14="http://schemas.microsoft.com/office/powerpoint/2010/main" val="1488092236"/>
+        <p14:creationId xmlns:p14="http://schemas.microsoft.com/office/powerpoint/2010/main" val="888456141"/>
       </p:ext>
     </p:extLst>
   </p:cSld>
@@ -8286,7 +8576,7 @@
           <a:p>
             <a:fld id="{BFECA42A-3F30-492F-8D17-81135151E227}" type="datetimeFigureOut">
               <a:rPr lang="zh-CN" altLang="en-US" smtClean="0"/>
-              <a:t>2019/9/27</a:t>
+              <a:t>2019/11/12</a:t>
             </a:fld>
             <a:endParaRPr lang="zh-CN" altLang="en-US"/>
           </a:p>
@@ -8456,7 +8746,7 @@
           <a:p>
             <a:fld id="{BFECA42A-3F30-492F-8D17-81135151E227}" type="datetimeFigureOut">
               <a:rPr lang="zh-CN" altLang="en-US" smtClean="0"/>
-              <a:t>2019/9/27</a:t>
+              <a:t>2019/11/12</a:t>
             </a:fld>
             <a:endParaRPr lang="zh-CN" altLang="en-US"/>
           </a:p>
@@ -8636,7 +8926,7 @@
           <a:p>
             <a:fld id="{BFECA42A-3F30-492F-8D17-81135151E227}" type="datetimeFigureOut">
               <a:rPr lang="zh-CN" altLang="en-US" smtClean="0"/>
-              <a:t>2019/9/27</a:t>
+              <a:t>2019/11/12</a:t>
             </a:fld>
             <a:endParaRPr lang="zh-CN" altLang="en-US"/>
           </a:p>
@@ -8806,7 +9096,7 @@
           <a:p>
             <a:fld id="{BFECA42A-3F30-492F-8D17-81135151E227}" type="datetimeFigureOut">
               <a:rPr lang="zh-CN" altLang="en-US" smtClean="0"/>
-              <a:t>2019/9/27</a:t>
+              <a:t>2019/11/12</a:t>
             </a:fld>
             <a:endParaRPr lang="zh-CN" altLang="en-US"/>
           </a:p>
@@ -9052,7 +9342,7 @@
           <a:p>
             <a:fld id="{BFECA42A-3F30-492F-8D17-81135151E227}" type="datetimeFigureOut">
               <a:rPr lang="zh-CN" altLang="en-US" smtClean="0"/>
-              <a:t>2019/9/27</a:t>
+              <a:t>2019/11/12</a:t>
             </a:fld>
             <a:endParaRPr lang="zh-CN" altLang="en-US"/>
           </a:p>
@@ -9284,7 +9574,7 @@
           <a:p>
             <a:fld id="{BFECA42A-3F30-492F-8D17-81135151E227}" type="datetimeFigureOut">
               <a:rPr lang="zh-CN" altLang="en-US" smtClean="0"/>
-              <a:t>2019/9/27</a:t>
+              <a:t>2019/11/12</a:t>
             </a:fld>
             <a:endParaRPr lang="zh-CN" altLang="en-US"/>
           </a:p>
@@ -9651,7 +9941,7 @@
           <a:p>
             <a:fld id="{BFECA42A-3F30-492F-8D17-81135151E227}" type="datetimeFigureOut">
               <a:rPr lang="zh-CN" altLang="en-US" smtClean="0"/>
-              <a:t>2019/9/27</a:t>
+              <a:t>2019/11/12</a:t>
             </a:fld>
             <a:endParaRPr lang="zh-CN" altLang="en-US"/>
           </a:p>
@@ -9769,7 +10059,7 @@
           <a:p>
             <a:fld id="{BFECA42A-3F30-492F-8D17-81135151E227}" type="datetimeFigureOut">
               <a:rPr lang="zh-CN" altLang="en-US" smtClean="0"/>
-              <a:t>2019/9/27</a:t>
+              <a:t>2019/11/12</a:t>
             </a:fld>
             <a:endParaRPr lang="zh-CN" altLang="en-US"/>
           </a:p>
@@ -9864,7 +10154,7 @@
           <a:p>
             <a:fld id="{BFECA42A-3F30-492F-8D17-81135151E227}" type="datetimeFigureOut">
               <a:rPr lang="zh-CN" altLang="en-US" smtClean="0"/>
-              <a:t>2019/9/27</a:t>
+              <a:t>2019/11/12</a:t>
             </a:fld>
             <a:endParaRPr lang="zh-CN" altLang="en-US"/>
           </a:p>
@@ -10141,7 +10431,7 @@
           <a:p>
             <a:fld id="{BFECA42A-3F30-492F-8D17-81135151E227}" type="datetimeFigureOut">
               <a:rPr lang="zh-CN" altLang="en-US" smtClean="0"/>
-              <a:t>2019/9/27</a:t>
+              <a:t>2019/11/12</a:t>
             </a:fld>
             <a:endParaRPr lang="zh-CN" altLang="en-US"/>
           </a:p>
@@ -10394,7 +10684,7 @@
           <a:p>
             <a:fld id="{BFECA42A-3F30-492F-8D17-81135151E227}" type="datetimeFigureOut">
               <a:rPr lang="zh-CN" altLang="en-US" smtClean="0"/>
-              <a:t>2019/9/27</a:t>
+              <a:t>2019/11/12</a:t>
             </a:fld>
             <a:endParaRPr lang="zh-CN" altLang="en-US"/>
           </a:p>
@@ -10607,7 +10897,7 @@
           <a:p>
             <a:fld id="{BFECA42A-3F30-492F-8D17-81135151E227}" type="datetimeFigureOut">
               <a:rPr lang="zh-CN" altLang="en-US" smtClean="0"/>
-              <a:t>2019/9/27</a:t>
+              <a:t>2019/11/12</a:t>
             </a:fld>
             <a:endParaRPr lang="zh-CN" altLang="en-US"/>
           </a:p>
@@ -11105,7 +11395,7 @@
         </p:spPr>
         <p:txBody>
           <a:bodyPr>
-            <a:normAutofit/>
+            <a:normAutofit lnSpcReduction="10000"/>
           </a:bodyPr>
           <a:lstStyle/>
           <a:p>
@@ -11124,6 +11414,17 @@
               <a:rPr lang="en-US" altLang="zh-CN" sz="3200" dirty="0" smtClean="0"/>
               <a:t>2016012156</a:t>
             </a:r>
+          </a:p>
+          <a:p>
+            <a:r>
+              <a:rPr lang="en-US" altLang="zh-CN" sz="3200" dirty="0" smtClean="0"/>
+              <a:t>Advisor: Prof. </a:t>
+            </a:r>
+            <a:r>
+              <a:rPr lang="en-US" altLang="zh-CN" sz="3200" smtClean="0"/>
+              <a:t>Junsong Yuan</a:t>
+            </a:r>
+            <a:endParaRPr lang="en-US" altLang="zh-CN" sz="3200" dirty="0" smtClean="0"/>
           </a:p>
         </p:txBody>
       </p:sp>
@@ -11236,6 +11537,566 @@
       </p:sp>
       <p:sp>
         <p:nvSpPr>
+          <p:cNvPr id="3" name="内容占位符 2"/>
+          <p:cNvSpPr>
+            <a:spLocks noGrp="1"/>
+          </p:cNvSpPr>
+          <p:nvPr>
+            <p:ph idx="1"/>
+          </p:nvPr>
+        </p:nvSpPr>
+        <p:spPr>
+          <a:xfrm>
+            <a:off x="838200" y="1825625"/>
+            <a:ext cx="4909457" cy="4351338"/>
+          </a:xfrm>
+        </p:spPr>
+        <p:txBody>
+          <a:bodyPr/>
+          <a:lstStyle/>
+          <a:p>
+            <a:pPr marL="0" indent="0">
+              <a:buNone/>
+            </a:pPr>
+            <a:r>
+              <a:rPr lang="en-US" altLang="zh-CN" dirty="0" err="1" smtClean="0"/>
+              <a:t>Subproblem</a:t>
+            </a:r>
+            <a:r>
+              <a:rPr lang="en-US" altLang="zh-CN" dirty="0" smtClean="0"/>
+              <a:t>: </a:t>
+            </a:r>
+          </a:p>
+          <a:p>
+            <a:pPr marL="0" indent="0">
+              <a:buNone/>
+            </a:pPr>
+            <a:r>
+              <a:rPr lang="en-US" altLang="zh-CN" dirty="0" smtClean="0"/>
+              <a:t>a filter to get rid of normal columns for the matching stage</a:t>
+            </a:r>
+          </a:p>
+          <a:p>
+            <a:endParaRPr lang="en-US" altLang="zh-CN" dirty="0"/>
+          </a:p>
+          <a:p>
+            <a:r>
+              <a:rPr lang="en-US" altLang="zh-CN" dirty="0" smtClean="0"/>
+              <a:t>Input: 300*1</a:t>
+            </a:r>
+          </a:p>
+          <a:p>
+            <a:r>
+              <a:rPr lang="en-US" altLang="zh-CN" dirty="0" smtClean="0"/>
+              <a:t>Output: 0/1</a:t>
+            </a:r>
+            <a:endParaRPr lang="zh-CN" altLang="en-US" dirty="0"/>
+          </a:p>
+        </p:txBody>
+      </p:sp>
+      <p:pic>
+        <p:nvPicPr>
+          <p:cNvPr id="4" name="内容占位符 3"/>
+          <p:cNvPicPr>
+            <a:picLocks noChangeAspect="1"/>
+          </p:cNvPicPr>
+          <p:nvPr/>
+        </p:nvPicPr>
+        <p:blipFill rotWithShape="1">
+          <a:blip r:embed="rId3">
+            <a:extLst>
+              <a:ext uri="{28A0092B-C50C-407E-A947-70E740481C1C}">
+                <a14:useLocalDpi xmlns:a14="http://schemas.microsoft.com/office/drawing/2010/main" val="0"/>
+              </a:ext>
+            </a:extLst>
+          </a:blip>
+          <a:srcRect l="90717" t="34992" b="1645"/>
+          <a:stretch/>
+        </p:blipFill>
+        <p:spPr>
+          <a:xfrm>
+            <a:off x="6489700" y="469252"/>
+            <a:ext cx="509814" cy="2442872"/>
+          </a:xfrm>
+          <a:prstGeom prst="rect">
+            <a:avLst/>
+          </a:prstGeom>
+        </p:spPr>
+      </p:pic>
+      <p:sp>
+        <p:nvSpPr>
+          <p:cNvPr id="8" name="右箭头 7"/>
+          <p:cNvSpPr/>
+          <p:nvPr/>
+        </p:nvSpPr>
+        <p:spPr>
+          <a:xfrm>
+            <a:off x="7380967" y="1395754"/>
+            <a:ext cx="1045028" cy="428171"/>
+          </a:xfrm>
+          <a:prstGeom prst="rightArrow">
+            <a:avLst/>
+          </a:prstGeom>
+        </p:spPr>
+        <p:style>
+          <a:lnRef idx="3">
+            <a:schemeClr val="lt1"/>
+          </a:lnRef>
+          <a:fillRef idx="1">
+            <a:schemeClr val="accent3"/>
+          </a:fillRef>
+          <a:effectRef idx="1">
+            <a:schemeClr val="accent3"/>
+          </a:effectRef>
+          <a:fontRef idx="minor">
+            <a:schemeClr val="lt1"/>
+          </a:fontRef>
+        </p:style>
+        <p:txBody>
+          <a:bodyPr rtlCol="0" anchor="ctr"/>
+          <a:lstStyle/>
+          <a:p>
+            <a:pPr algn="ctr"/>
+            <a:endParaRPr lang="zh-CN" altLang="en-US"/>
+          </a:p>
+        </p:txBody>
+      </p:sp>
+      <p:sp>
+        <p:nvSpPr>
+          <p:cNvPr id="9" name="文本框 8"/>
+          <p:cNvSpPr txBox="1"/>
+          <p:nvPr/>
+        </p:nvSpPr>
+        <p:spPr>
+          <a:xfrm>
+            <a:off x="8807449" y="1213231"/>
+            <a:ext cx="1944915" cy="830997"/>
+          </a:xfrm>
+          <a:prstGeom prst="rect">
+            <a:avLst/>
+          </a:prstGeom>
+          <a:noFill/>
+        </p:spPr>
+        <p:txBody>
+          <a:bodyPr wrap="square" rtlCol="0">
+            <a:spAutoFit/>
+          </a:bodyPr>
+          <a:lstStyle/>
+          <a:p>
+            <a:r>
+              <a:rPr lang="en-US" altLang="zh-CN" sz="2400" dirty="0" smtClean="0"/>
+              <a:t>[1,300] density curve</a:t>
+            </a:r>
+            <a:endParaRPr lang="zh-CN" altLang="en-US" sz="2400" dirty="0"/>
+          </a:p>
+        </p:txBody>
+      </p:sp>
+      <p:sp>
+        <p:nvSpPr>
+          <p:cNvPr id="10" name="右箭头 9"/>
+          <p:cNvSpPr/>
+          <p:nvPr/>
+        </p:nvSpPr>
+        <p:spPr>
+          <a:xfrm rot="9000000">
+            <a:off x="7378510" y="2767086"/>
+            <a:ext cx="1812519" cy="428171"/>
+          </a:xfrm>
+          <a:prstGeom prst="rightArrow">
+            <a:avLst/>
+          </a:prstGeom>
+        </p:spPr>
+        <p:style>
+          <a:lnRef idx="3">
+            <a:schemeClr val="lt1"/>
+          </a:lnRef>
+          <a:fillRef idx="1">
+            <a:schemeClr val="accent3"/>
+          </a:fillRef>
+          <a:effectRef idx="1">
+            <a:schemeClr val="accent3"/>
+          </a:effectRef>
+          <a:fontRef idx="minor">
+            <a:schemeClr val="lt1"/>
+          </a:fontRef>
+        </p:style>
+        <p:txBody>
+          <a:bodyPr rtlCol="0" anchor="ctr"/>
+          <a:lstStyle/>
+          <a:p>
+            <a:pPr algn="ctr"/>
+            <a:endParaRPr lang="zh-CN" altLang="en-US"/>
+          </a:p>
+        </p:txBody>
+      </p:sp>
+      <p:sp>
+        <p:nvSpPr>
+          <p:cNvPr id="11" name="文本框 10"/>
+          <p:cNvSpPr txBox="1"/>
+          <p:nvPr/>
+        </p:nvSpPr>
+        <p:spPr>
+          <a:xfrm>
+            <a:off x="9734949" y="2854554"/>
+            <a:ext cx="2395293" cy="2062103"/>
+          </a:xfrm>
+          <a:prstGeom prst="rect">
+            <a:avLst/>
+          </a:prstGeom>
+          <a:noFill/>
+        </p:spPr>
+        <p:txBody>
+          <a:bodyPr wrap="square" rtlCol="0">
+            <a:spAutoFit/>
+          </a:bodyPr>
+          <a:lstStyle/>
+          <a:p>
+            <a:r>
+              <a:rPr lang="en-US" altLang="zh-CN" sz="2800" u="sng" dirty="0" smtClean="0"/>
+              <a:t>Representation</a:t>
+            </a:r>
+          </a:p>
+          <a:p>
+            <a:r>
+              <a:rPr lang="en-US" altLang="zh-CN" sz="2000" dirty="0" smtClean="0"/>
+              <a:t>Large unlabeled data to train representation, or GMM case no need of data</a:t>
+            </a:r>
+          </a:p>
+        </p:txBody>
+      </p:sp>
+      <p:sp>
+        <p:nvSpPr>
+          <p:cNvPr id="12" name="文本框 11"/>
+          <p:cNvSpPr txBox="1"/>
+          <p:nvPr/>
+        </p:nvSpPr>
+        <p:spPr>
+          <a:xfrm>
+            <a:off x="6281963" y="3619705"/>
+            <a:ext cx="1944915" cy="830997"/>
+          </a:xfrm>
+          <a:prstGeom prst="rect">
+            <a:avLst/>
+          </a:prstGeom>
+          <a:noFill/>
+        </p:spPr>
+        <p:txBody>
+          <a:bodyPr wrap="square" rtlCol="0">
+            <a:spAutoFit/>
+          </a:bodyPr>
+          <a:lstStyle/>
+          <a:p>
+            <a:r>
+              <a:rPr lang="en-US" altLang="zh-CN" sz="2400" dirty="0" smtClean="0"/>
+              <a:t>[1,9] </a:t>
+            </a:r>
+          </a:p>
+          <a:p>
+            <a:r>
+              <a:rPr lang="en-US" altLang="zh-CN" sz="2400" dirty="0" smtClean="0"/>
+              <a:t>Latent vector</a:t>
+            </a:r>
+            <a:endParaRPr lang="zh-CN" altLang="en-US" sz="2400" dirty="0"/>
+          </a:p>
+        </p:txBody>
+      </p:sp>
+      <p:cxnSp>
+        <p:nvCxnSpPr>
+          <p:cNvPr id="14" name="曲线连接符 13"/>
+          <p:cNvCxnSpPr>
+            <a:stCxn id="11" idx="1"/>
+            <a:endCxn id="10" idx="0"/>
+          </p:cNvCxnSpPr>
+          <p:nvPr/>
+        </p:nvCxnSpPr>
+        <p:spPr>
+          <a:xfrm rot="10800000">
+            <a:off x="7792373" y="3512662"/>
+            <a:ext cx="1942577" cy="372944"/>
+          </a:xfrm>
+          <a:prstGeom prst="curvedConnector2">
+            <a:avLst/>
+          </a:prstGeom>
+          <a:ln w="19050">
+            <a:solidFill>
+              <a:schemeClr val="tx1"/>
+            </a:solidFill>
+            <a:tailEnd type="triangle"/>
+          </a:ln>
+        </p:spPr>
+        <p:style>
+          <a:lnRef idx="1">
+            <a:schemeClr val="accent1"/>
+          </a:lnRef>
+          <a:fillRef idx="0">
+            <a:schemeClr val="accent1"/>
+          </a:fillRef>
+          <a:effectRef idx="0">
+            <a:schemeClr val="accent1"/>
+          </a:effectRef>
+          <a:fontRef idx="minor">
+            <a:schemeClr val="tx1"/>
+          </a:fontRef>
+        </p:style>
+      </p:cxnSp>
+      <p:sp>
+        <p:nvSpPr>
+          <p:cNvPr id="18" name="右箭头 17"/>
+          <p:cNvSpPr/>
+          <p:nvPr/>
+        </p:nvSpPr>
+        <p:spPr>
+          <a:xfrm rot="1800000">
+            <a:off x="7617642" y="4948072"/>
+            <a:ext cx="1868261" cy="428171"/>
+          </a:xfrm>
+          <a:prstGeom prst="rightArrow">
+            <a:avLst/>
+          </a:prstGeom>
+        </p:spPr>
+        <p:style>
+          <a:lnRef idx="3">
+            <a:schemeClr val="lt1"/>
+          </a:lnRef>
+          <a:fillRef idx="1">
+            <a:schemeClr val="accent3"/>
+          </a:fillRef>
+          <a:effectRef idx="1">
+            <a:schemeClr val="accent3"/>
+          </a:effectRef>
+          <a:fontRef idx="minor">
+            <a:schemeClr val="lt1"/>
+          </a:fontRef>
+        </p:style>
+        <p:txBody>
+          <a:bodyPr rtlCol="0" anchor="ctr"/>
+          <a:lstStyle/>
+          <a:p>
+            <a:pPr algn="ctr"/>
+            <a:endParaRPr lang="zh-CN" altLang="en-US"/>
+          </a:p>
+        </p:txBody>
+      </p:sp>
+      <p:sp>
+        <p:nvSpPr>
+          <p:cNvPr id="19" name="文本框 18"/>
+          <p:cNvSpPr txBox="1"/>
+          <p:nvPr/>
+        </p:nvSpPr>
+        <p:spPr>
+          <a:xfrm>
+            <a:off x="5980338" y="5107820"/>
+            <a:ext cx="1923143" cy="1446550"/>
+          </a:xfrm>
+          <a:prstGeom prst="rect">
+            <a:avLst/>
+          </a:prstGeom>
+          <a:noFill/>
+        </p:spPr>
+        <p:txBody>
+          <a:bodyPr wrap="square" rtlCol="0">
+            <a:spAutoFit/>
+          </a:bodyPr>
+          <a:lstStyle/>
+          <a:p>
+            <a:r>
+              <a:rPr lang="en-US" altLang="zh-CN" sz="2800" u="sng" dirty="0" smtClean="0"/>
+              <a:t>Classifier</a:t>
+            </a:r>
+          </a:p>
+          <a:p>
+            <a:r>
+              <a:rPr lang="en-US" altLang="zh-CN" sz="2000" dirty="0" smtClean="0"/>
+              <a:t>Active learning process with expert labeling</a:t>
+            </a:r>
+            <a:endParaRPr lang="zh-CN" altLang="en-US" sz="2000" dirty="0"/>
+          </a:p>
+        </p:txBody>
+      </p:sp>
+      <p:cxnSp>
+        <p:nvCxnSpPr>
+          <p:cNvPr id="20" name="曲线连接符 19"/>
+          <p:cNvCxnSpPr>
+            <a:stCxn id="19" idx="3"/>
+            <a:endCxn id="18" idx="2"/>
+          </p:cNvCxnSpPr>
+          <p:nvPr/>
+        </p:nvCxnSpPr>
+        <p:spPr>
+          <a:xfrm flipV="1">
+            <a:off x="7903481" y="5707584"/>
+            <a:ext cx="1164826" cy="123511"/>
+          </a:xfrm>
+          <a:prstGeom prst="curvedConnector2">
+            <a:avLst/>
+          </a:prstGeom>
+          <a:ln w="19050">
+            <a:solidFill>
+              <a:schemeClr val="tx1"/>
+            </a:solidFill>
+            <a:tailEnd type="triangle"/>
+          </a:ln>
+        </p:spPr>
+        <p:style>
+          <a:lnRef idx="1">
+            <a:schemeClr val="accent1"/>
+          </a:lnRef>
+          <a:fillRef idx="0">
+            <a:schemeClr val="accent1"/>
+          </a:fillRef>
+          <a:effectRef idx="0">
+            <a:schemeClr val="accent1"/>
+          </a:effectRef>
+          <a:fontRef idx="minor">
+            <a:schemeClr val="tx1"/>
+          </a:fontRef>
+        </p:style>
+      </p:cxnSp>
+      <p:sp>
+        <p:nvSpPr>
+          <p:cNvPr id="26" name="文本框 25"/>
+          <p:cNvSpPr txBox="1"/>
+          <p:nvPr/>
+        </p:nvSpPr>
+        <p:spPr>
+          <a:xfrm>
+            <a:off x="9734949" y="5354041"/>
+            <a:ext cx="1944915" cy="1200329"/>
+          </a:xfrm>
+          <a:prstGeom prst="rect">
+            <a:avLst/>
+          </a:prstGeom>
+          <a:noFill/>
+        </p:spPr>
+        <p:txBody>
+          <a:bodyPr wrap="square" rtlCol="0">
+            <a:spAutoFit/>
+          </a:bodyPr>
+          <a:lstStyle/>
+          <a:p>
+            <a:r>
+              <a:rPr lang="en-US" altLang="zh-CN" sz="2400" dirty="0" smtClean="0"/>
+              <a:t>0/1 result: </a:t>
+            </a:r>
+          </a:p>
+          <a:p>
+            <a:r>
+              <a:rPr lang="en-US" altLang="zh-CN" sz="2400" dirty="0" smtClean="0"/>
+              <a:t>if this column is normal</a:t>
+            </a:r>
+            <a:endParaRPr lang="zh-CN" altLang="en-US" sz="2400" dirty="0"/>
+          </a:p>
+        </p:txBody>
+      </p:sp>
+    </p:spTree>
+    <p:extLst>
+      <p:ext uri="{BB962C8B-B14F-4D97-AF65-F5344CB8AC3E}">
+        <p14:creationId xmlns:p14="http://schemas.microsoft.com/office/powerpoint/2010/main" val="3444249399"/>
+      </p:ext>
+    </p:extLst>
+  </p:cSld>
+  <p:clrMapOvr>
+    <a:masterClrMapping/>
+  </p:clrMapOvr>
+  <p:timing>
+    <p:tnLst>
+      <p:par>
+        <p:cTn id="1" dur="indefinite" restart="never" nodeType="tmRoot"/>
+      </p:par>
+    </p:tnLst>
+  </p:timing>
+</p:sld>
+</file>
+
+<file path=ppt/slides/slide11.xml><?xml version="1.0" encoding="utf-8"?>
+<p:sld xmlns:a="http://schemas.openxmlformats.org/drawingml/2006/main" xmlns:r="http://schemas.openxmlformats.org/officeDocument/2006/relationships" xmlns:p="http://schemas.openxmlformats.org/presentationml/2006/main">
+  <p:cSld>
+    <p:spTree>
+      <p:nvGrpSpPr>
+        <p:cNvPr id="1" name=""/>
+        <p:cNvGrpSpPr/>
+        <p:nvPr/>
+      </p:nvGrpSpPr>
+      <p:grpSpPr>
+        <a:xfrm>
+          <a:off x="0" y="0"/>
+          <a:ext cx="0" cy="0"/>
+          <a:chOff x="0" y="0"/>
+          <a:chExt cx="0" cy="0"/>
+        </a:xfrm>
+      </p:grpSpPr>
+      <p:sp>
+        <p:nvSpPr>
+          <p:cNvPr id="2" name="标题 1"/>
+          <p:cNvSpPr>
+            <a:spLocks noGrp="1"/>
+          </p:cNvSpPr>
+          <p:nvPr>
+            <p:ph type="title"/>
+          </p:nvPr>
+        </p:nvSpPr>
+        <p:spPr/>
+        <p:txBody>
+          <a:bodyPr/>
+          <a:lstStyle/>
+          <a:p>
+            <a:r>
+              <a:rPr lang="en-US" altLang="zh-CN" dirty="0" smtClean="0"/>
+              <a:t>Proposed Method</a:t>
+            </a:r>
+            <a:br>
+              <a:rPr lang="en-US" altLang="zh-CN" dirty="0" smtClean="0"/>
+            </a:br>
+            <a:r>
+              <a:rPr lang="en-US" altLang="zh-CN" sz="3600" dirty="0">
+                <a:solidFill>
+                  <a:prstClr val="black">
+                    <a:lumMod val="50000"/>
+                    <a:lumOff val="50000"/>
+                  </a:prstClr>
+                </a:solidFill>
+              </a:rPr>
+              <a:t>F</a:t>
+            </a:r>
+            <a:r>
+              <a:rPr lang="en-US" altLang="zh-CN" sz="3600" dirty="0" smtClean="0">
+                <a:solidFill>
+                  <a:prstClr val="black">
+                    <a:lumMod val="50000"/>
+                    <a:lumOff val="50000"/>
+                  </a:prstClr>
+                </a:solidFill>
+              </a:rPr>
+              <a:t>ilter </a:t>
+            </a:r>
+            <a:r>
+              <a:rPr lang="en-US" altLang="zh-CN" sz="3600" dirty="0">
+                <a:solidFill>
+                  <a:prstClr val="black">
+                    <a:lumMod val="50000"/>
+                    <a:lumOff val="50000"/>
+                  </a:prstClr>
+                </a:solidFill>
+              </a:rPr>
+              <a:t>S</a:t>
+            </a:r>
+            <a:r>
+              <a:rPr lang="en-US" altLang="zh-CN" sz="3600" dirty="0" smtClean="0">
+                <a:solidFill>
+                  <a:prstClr val="black">
+                    <a:lumMod val="50000"/>
+                    <a:lumOff val="50000"/>
+                  </a:prstClr>
+                </a:solidFill>
+              </a:rPr>
+              <a:t>tage</a:t>
+            </a:r>
+            <a:endParaRPr lang="zh-CN" altLang="en-US" dirty="0"/>
+          </a:p>
+        </p:txBody>
+      </p:sp>
+      <p:sp>
+        <p:nvSpPr>
           <p:cNvPr id="6" name="内容占位符 5"/>
           <p:cNvSpPr>
             <a:spLocks noGrp="1"/>
@@ -11419,7 +12280,7 @@
 </p:sld>
 </file>
 
-<file path=ppt/slides/slide11.xml><?xml version="1.0" encoding="utf-8"?>
+<file path=ppt/slides/slide12.xml><?xml version="1.0" encoding="utf-8"?>
 <p:sld xmlns:a="http://schemas.openxmlformats.org/drawingml/2006/main" xmlns:r="http://schemas.openxmlformats.org/officeDocument/2006/relationships" xmlns:p="http://schemas.openxmlformats.org/presentationml/2006/main">
   <p:cSld>
     <p:spTree>
@@ -13165,6 +14026,288 @@
           </a:p>
         </p:txBody>
       </p:sp>
+      <p:sp>
+        <p:nvSpPr>
+          <p:cNvPr id="3" name="内容占位符 2"/>
+          <p:cNvSpPr>
+            <a:spLocks noGrp="1"/>
+          </p:cNvSpPr>
+          <p:nvPr>
+            <p:ph idx="1"/>
+          </p:nvPr>
+        </p:nvSpPr>
+        <p:spPr>
+          <a:xfrm>
+            <a:off x="838199" y="1825625"/>
+            <a:ext cx="7434943" cy="4351338"/>
+          </a:xfrm>
+        </p:spPr>
+        <p:txBody>
+          <a:bodyPr/>
+          <a:lstStyle/>
+          <a:p>
+            <a:r>
+              <a:rPr lang="en-US" altLang="zh-CN" dirty="0" smtClean="0"/>
+              <a:t>ML-involved part:</a:t>
+            </a:r>
+          </a:p>
+          <a:p>
+            <a:pPr marL="0" indent="0">
+              <a:buNone/>
+            </a:pPr>
+            <a:r>
+              <a:rPr lang="en-US" altLang="zh-CN" dirty="0"/>
+              <a:t>B</a:t>
+            </a:r>
+            <a:r>
+              <a:rPr lang="en-US" altLang="zh-CN" dirty="0" smtClean="0"/>
+              <a:t>inary classification of one column. </a:t>
+            </a:r>
+          </a:p>
+          <a:p>
+            <a:pPr marL="0" indent="0">
+              <a:buNone/>
+            </a:pPr>
+            <a:endParaRPr lang="en-US" altLang="zh-CN" dirty="0" smtClean="0"/>
+          </a:p>
+          <a:p>
+            <a:r>
+              <a:rPr lang="en-US" altLang="zh-CN" dirty="0" smtClean="0"/>
+              <a:t>Hand-crafted rule: approximately 90% accuracy</a:t>
+            </a:r>
+          </a:p>
+          <a:p>
+            <a:pPr marL="0" indent="0">
+              <a:buNone/>
+            </a:pPr>
+            <a:endParaRPr lang="en-US" altLang="zh-CN" dirty="0" smtClean="0">
+              <a:solidFill>
+                <a:srgbClr val="FF0000"/>
+              </a:solidFill>
+            </a:endParaRPr>
+          </a:p>
+          <a:p>
+            <a:r>
+              <a:rPr lang="en-US" altLang="zh-CN" sz="3600" dirty="0" smtClean="0">
+                <a:solidFill>
+                  <a:schemeClr val="accent2"/>
+                </a:solidFill>
+              </a:rPr>
+              <a:t>Generalization!</a:t>
+            </a:r>
+            <a:endParaRPr lang="zh-CN" altLang="en-US" sz="3600" dirty="0">
+              <a:solidFill>
+                <a:schemeClr val="accent2"/>
+              </a:solidFill>
+            </a:endParaRPr>
+          </a:p>
+        </p:txBody>
+      </p:sp>
+      <p:cxnSp>
+        <p:nvCxnSpPr>
+          <p:cNvPr id="6" name="直接箭头连接符 5"/>
+          <p:cNvCxnSpPr>
+            <a:endCxn id="7" idx="1"/>
+          </p:cNvCxnSpPr>
+          <p:nvPr/>
+        </p:nvCxnSpPr>
+        <p:spPr>
+          <a:xfrm>
+            <a:off x="6183086" y="3860800"/>
+            <a:ext cx="1589312" cy="1635115"/>
+          </a:xfrm>
+          <a:prstGeom prst="straightConnector1">
+            <a:avLst/>
+          </a:prstGeom>
+          <a:ln w="38100">
+            <a:solidFill>
+              <a:srgbClr val="FF0000"/>
+            </a:solidFill>
+            <a:tailEnd type="triangle"/>
+          </a:ln>
+        </p:spPr>
+        <p:style>
+          <a:lnRef idx="1">
+            <a:schemeClr val="dk1"/>
+          </a:lnRef>
+          <a:fillRef idx="0">
+            <a:schemeClr val="dk1"/>
+          </a:fillRef>
+          <a:effectRef idx="0">
+            <a:schemeClr val="dk1"/>
+          </a:effectRef>
+          <a:fontRef idx="minor">
+            <a:schemeClr val="tx1"/>
+          </a:fontRef>
+        </p:style>
+      </p:cxnSp>
+      <p:sp>
+        <p:nvSpPr>
+          <p:cNvPr id="7" name="文本框 6"/>
+          <p:cNvSpPr txBox="1"/>
+          <p:nvPr/>
+        </p:nvSpPr>
+        <p:spPr>
+          <a:xfrm>
+            <a:off x="7772398" y="4372530"/>
+            <a:ext cx="3860801" cy="2246769"/>
+          </a:xfrm>
+          <a:prstGeom prst="rect">
+            <a:avLst/>
+          </a:prstGeom>
+          <a:noFill/>
+        </p:spPr>
+        <p:txBody>
+          <a:bodyPr wrap="square" rtlCol="0">
+            <a:spAutoFit/>
+          </a:bodyPr>
+          <a:lstStyle/>
+          <a:p>
+            <a:r>
+              <a:rPr lang="en-US" altLang="zh-CN" sz="2800" dirty="0" smtClean="0">
+                <a:solidFill>
+                  <a:srgbClr val="FF0000"/>
+                </a:solidFill>
+              </a:rPr>
+              <a:t>The rules should be clear and the number of parameters involved should be as small as possible</a:t>
+            </a:r>
+            <a:endParaRPr lang="zh-CN" altLang="en-US" sz="2800" dirty="0">
+              <a:solidFill>
+                <a:srgbClr val="FF0000"/>
+              </a:solidFill>
+            </a:endParaRPr>
+          </a:p>
+        </p:txBody>
+      </p:sp>
+      <p:cxnSp>
+        <p:nvCxnSpPr>
+          <p:cNvPr id="11" name="直接箭头连接符 10"/>
+          <p:cNvCxnSpPr>
+            <a:endCxn id="12" idx="1"/>
+          </p:cNvCxnSpPr>
+          <p:nvPr/>
+        </p:nvCxnSpPr>
+        <p:spPr>
+          <a:xfrm flipV="1">
+            <a:off x="6126681" y="1696767"/>
+            <a:ext cx="1369946" cy="745839"/>
+          </a:xfrm>
+          <a:prstGeom prst="straightConnector1">
+            <a:avLst/>
+          </a:prstGeom>
+          <a:ln w="38100">
+            <a:solidFill>
+              <a:srgbClr val="FF0000"/>
+            </a:solidFill>
+            <a:tailEnd type="triangle"/>
+          </a:ln>
+        </p:spPr>
+        <p:style>
+          <a:lnRef idx="1">
+            <a:schemeClr val="dk1"/>
+          </a:lnRef>
+          <a:fillRef idx="0">
+            <a:schemeClr val="dk1"/>
+          </a:fillRef>
+          <a:effectRef idx="0">
+            <a:schemeClr val="dk1"/>
+          </a:effectRef>
+          <a:fontRef idx="minor">
+            <a:schemeClr val="tx1"/>
+          </a:fontRef>
+        </p:style>
+      </p:cxnSp>
+      <p:sp>
+        <p:nvSpPr>
+          <p:cNvPr id="12" name="文本框 11"/>
+          <p:cNvSpPr txBox="1"/>
+          <p:nvPr/>
+        </p:nvSpPr>
+        <p:spPr>
+          <a:xfrm>
+            <a:off x="7496627" y="573382"/>
+            <a:ext cx="4296229" cy="2246769"/>
+          </a:xfrm>
+          <a:prstGeom prst="rect">
+            <a:avLst/>
+          </a:prstGeom>
+          <a:noFill/>
+        </p:spPr>
+        <p:txBody>
+          <a:bodyPr wrap="square" rtlCol="0">
+            <a:spAutoFit/>
+          </a:bodyPr>
+          <a:lstStyle/>
+          <a:p>
+            <a:r>
+              <a:rPr lang="en-US" altLang="zh-CN" sz="2800" dirty="0" smtClean="0">
+                <a:solidFill>
+                  <a:srgbClr val="FF0000"/>
+                </a:solidFill>
+              </a:rPr>
+              <a:t>The task should be clear, and labeled data is needed. Should be easily transformed in to classification or regression</a:t>
+            </a:r>
+            <a:endParaRPr lang="zh-CN" altLang="en-US" sz="2800" dirty="0">
+              <a:solidFill>
+                <a:srgbClr val="FF0000"/>
+              </a:solidFill>
+            </a:endParaRPr>
+          </a:p>
+        </p:txBody>
+      </p:sp>
+    </p:spTree>
+    <p:extLst>
+      <p:ext uri="{BB962C8B-B14F-4D97-AF65-F5344CB8AC3E}">
+        <p14:creationId xmlns:p14="http://schemas.microsoft.com/office/powerpoint/2010/main" val="717147108"/>
+      </p:ext>
+    </p:extLst>
+  </p:cSld>
+  <p:clrMapOvr>
+    <a:masterClrMapping/>
+  </p:clrMapOvr>
+</p:sld>
+</file>
+
+<file path=ppt/slides/slide6.xml><?xml version="1.0" encoding="utf-8"?>
+<p:sld xmlns:a="http://schemas.openxmlformats.org/drawingml/2006/main" xmlns:r="http://schemas.openxmlformats.org/officeDocument/2006/relationships" xmlns:p="http://schemas.openxmlformats.org/presentationml/2006/main">
+  <p:cSld>
+    <p:spTree>
+      <p:nvGrpSpPr>
+        <p:cNvPr id="1" name=""/>
+        <p:cNvGrpSpPr/>
+        <p:nvPr/>
+      </p:nvGrpSpPr>
+      <p:grpSpPr>
+        <a:xfrm>
+          <a:off x="0" y="0"/>
+          <a:ext cx="0" cy="0"/>
+          <a:chOff x="0" y="0"/>
+          <a:chExt cx="0" cy="0"/>
+        </a:xfrm>
+      </p:grpSpPr>
+      <p:sp>
+        <p:nvSpPr>
+          <p:cNvPr id="2" name="标题 1"/>
+          <p:cNvSpPr>
+            <a:spLocks noGrp="1"/>
+          </p:cNvSpPr>
+          <p:nvPr>
+            <p:ph type="title"/>
+          </p:nvPr>
+        </p:nvSpPr>
+        <p:spPr/>
+        <p:txBody>
+          <a:bodyPr/>
+          <a:lstStyle/>
+          <a:p>
+            <a:r>
+              <a:rPr lang="en-US" altLang="zh-CN" dirty="0" smtClean="0"/>
+              <a:t>Motivation</a:t>
+            </a:r>
+            <a:endParaRPr lang="zh-CN" altLang="en-US" dirty="0"/>
+          </a:p>
+        </p:txBody>
+      </p:sp>
       <p:graphicFrame>
         <p:nvGraphicFramePr>
           <p:cNvPr id="5" name="图示 4"/>
@@ -13207,7 +14350,7 @@
 </p:sld>
 </file>
 
-<file path=ppt/slides/slide6.xml><?xml version="1.0" encoding="utf-8"?>
+<file path=ppt/slides/slide7.xml><?xml version="1.0" encoding="utf-8"?>
 <p:sld xmlns:a="http://schemas.openxmlformats.org/drawingml/2006/main" xmlns:r="http://schemas.openxmlformats.org/officeDocument/2006/relationships" xmlns:p="http://schemas.openxmlformats.org/presentationml/2006/main">
   <p:cSld>
     <p:spTree>
@@ -13351,7 +14494,7 @@
 </p:sld>
 </file>
 
-<file path=ppt/slides/slide7.xml><?xml version="1.0" encoding="utf-8"?>
+<file path=ppt/slides/slide8.xml><?xml version="1.0" encoding="utf-8"?>
 <p:sld xmlns:a="http://schemas.openxmlformats.org/drawingml/2006/main" xmlns:r="http://schemas.openxmlformats.org/officeDocument/2006/relationships" xmlns:p="http://schemas.openxmlformats.org/presentationml/2006/main">
   <p:cSld>
     <p:spTree>
@@ -13750,11 +14893,7 @@
             <a:pPr algn="ctr"/>
             <a:r>
               <a:rPr lang="en-US" altLang="zh-CN" dirty="0" smtClean="0"/>
-              <a:t>Fake </a:t>
-            </a:r>
-            <a:r>
-              <a:rPr lang="en-US" altLang="zh-CN" dirty="0" smtClean="0"/>
-              <a:t>Images</a:t>
+              <a:t>Fake Images</a:t>
             </a:r>
             <a:endParaRPr lang="zh-CN" altLang="en-US" dirty="0"/>
           </a:p>
@@ -14789,7 +15928,7 @@
 </p:sld>
 </file>
 
-<file path=ppt/slides/slide8.xml><?xml version="1.0" encoding="utf-8"?>
+<file path=ppt/slides/slide9.xml><?xml version="1.0" encoding="utf-8"?>
 <p:sld xmlns:a="http://schemas.openxmlformats.org/drawingml/2006/main" xmlns:r="http://schemas.openxmlformats.org/officeDocument/2006/relationships" xmlns:p="http://schemas.openxmlformats.org/presentationml/2006/main">
   <p:cSld>
     <p:spTree>
@@ -14979,571 +16118,6 @@
     <p:extLst>
       <p:ext uri="{BB962C8B-B14F-4D97-AF65-F5344CB8AC3E}">
         <p14:creationId xmlns:p14="http://schemas.microsoft.com/office/powerpoint/2010/main" val="131599276"/>
-      </p:ext>
-    </p:extLst>
-  </p:cSld>
-  <p:clrMapOvr>
-    <a:masterClrMapping/>
-  </p:clrMapOvr>
-  <p:timing>
-    <p:tnLst>
-      <p:par>
-        <p:cTn id="1" dur="indefinite" restart="never" nodeType="tmRoot"/>
-      </p:par>
-    </p:tnLst>
-  </p:timing>
-</p:sld>
-</file>
-
-<file path=ppt/slides/slide9.xml><?xml version="1.0" encoding="utf-8"?>
-<p:sld xmlns:a="http://schemas.openxmlformats.org/drawingml/2006/main" xmlns:r="http://schemas.openxmlformats.org/officeDocument/2006/relationships" xmlns:p="http://schemas.openxmlformats.org/presentationml/2006/main">
-  <p:cSld>
-    <p:spTree>
-      <p:nvGrpSpPr>
-        <p:cNvPr id="1" name=""/>
-        <p:cNvGrpSpPr/>
-        <p:nvPr/>
-      </p:nvGrpSpPr>
-      <p:grpSpPr>
-        <a:xfrm>
-          <a:off x="0" y="0"/>
-          <a:ext cx="0" cy="0"/>
-          <a:chOff x="0" y="0"/>
-          <a:chExt cx="0" cy="0"/>
-        </a:xfrm>
-      </p:grpSpPr>
-      <p:sp>
-        <p:nvSpPr>
-          <p:cNvPr id="2" name="标题 1"/>
-          <p:cNvSpPr>
-            <a:spLocks noGrp="1"/>
-          </p:cNvSpPr>
-          <p:nvPr>
-            <p:ph type="title"/>
-          </p:nvPr>
-        </p:nvSpPr>
-        <p:spPr/>
-        <p:txBody>
-          <a:bodyPr/>
-          <a:lstStyle/>
-          <a:p>
-            <a:r>
-              <a:rPr lang="en-US" altLang="zh-CN" dirty="0" smtClean="0"/>
-              <a:t>Proposed Method</a:t>
-            </a:r>
-            <a:br>
-              <a:rPr lang="en-US" altLang="zh-CN" dirty="0" smtClean="0"/>
-            </a:br>
-            <a:r>
-              <a:rPr lang="en-US" altLang="zh-CN" sz="3600" dirty="0">
-                <a:solidFill>
-                  <a:prstClr val="black">
-                    <a:lumMod val="50000"/>
-                    <a:lumOff val="50000"/>
-                  </a:prstClr>
-                </a:solidFill>
-              </a:rPr>
-              <a:t>F</a:t>
-            </a:r>
-            <a:r>
-              <a:rPr lang="en-US" altLang="zh-CN" sz="3600" dirty="0" smtClean="0">
-                <a:solidFill>
-                  <a:prstClr val="black">
-                    <a:lumMod val="50000"/>
-                    <a:lumOff val="50000"/>
-                  </a:prstClr>
-                </a:solidFill>
-              </a:rPr>
-              <a:t>ilter </a:t>
-            </a:r>
-            <a:r>
-              <a:rPr lang="en-US" altLang="zh-CN" sz="3600" dirty="0">
-                <a:solidFill>
-                  <a:prstClr val="black">
-                    <a:lumMod val="50000"/>
-                    <a:lumOff val="50000"/>
-                  </a:prstClr>
-                </a:solidFill>
-              </a:rPr>
-              <a:t>S</a:t>
-            </a:r>
-            <a:r>
-              <a:rPr lang="en-US" altLang="zh-CN" sz="3600" dirty="0" smtClean="0">
-                <a:solidFill>
-                  <a:prstClr val="black">
-                    <a:lumMod val="50000"/>
-                    <a:lumOff val="50000"/>
-                  </a:prstClr>
-                </a:solidFill>
-              </a:rPr>
-              <a:t>tage</a:t>
-            </a:r>
-            <a:endParaRPr lang="zh-CN" altLang="en-US" dirty="0"/>
-          </a:p>
-        </p:txBody>
-      </p:sp>
-      <p:sp>
-        <p:nvSpPr>
-          <p:cNvPr id="3" name="内容占位符 2"/>
-          <p:cNvSpPr>
-            <a:spLocks noGrp="1"/>
-          </p:cNvSpPr>
-          <p:nvPr>
-            <p:ph idx="1"/>
-          </p:nvPr>
-        </p:nvSpPr>
-        <p:spPr>
-          <a:xfrm>
-            <a:off x="838200" y="1825625"/>
-            <a:ext cx="4909457" cy="4351338"/>
-          </a:xfrm>
-        </p:spPr>
-        <p:txBody>
-          <a:bodyPr/>
-          <a:lstStyle/>
-          <a:p>
-            <a:pPr marL="0" indent="0">
-              <a:buNone/>
-            </a:pPr>
-            <a:r>
-              <a:rPr lang="en-US" altLang="zh-CN" dirty="0" err="1" smtClean="0"/>
-              <a:t>Subproblem</a:t>
-            </a:r>
-            <a:r>
-              <a:rPr lang="en-US" altLang="zh-CN" dirty="0" smtClean="0"/>
-              <a:t>: </a:t>
-            </a:r>
-            <a:endParaRPr lang="en-US" altLang="zh-CN" dirty="0" smtClean="0"/>
-          </a:p>
-          <a:p>
-            <a:pPr marL="0" indent="0">
-              <a:buNone/>
-            </a:pPr>
-            <a:r>
-              <a:rPr lang="en-US" altLang="zh-CN" dirty="0" smtClean="0"/>
-              <a:t>a </a:t>
-            </a:r>
-            <a:r>
-              <a:rPr lang="en-US" altLang="zh-CN" dirty="0" smtClean="0"/>
-              <a:t>filter to get rid of normal columns for the matching stage</a:t>
-            </a:r>
-          </a:p>
-          <a:p>
-            <a:endParaRPr lang="en-US" altLang="zh-CN" dirty="0"/>
-          </a:p>
-          <a:p>
-            <a:r>
-              <a:rPr lang="en-US" altLang="zh-CN" dirty="0" smtClean="0"/>
-              <a:t>Input: 300*1</a:t>
-            </a:r>
-          </a:p>
-          <a:p>
-            <a:r>
-              <a:rPr lang="en-US" altLang="zh-CN" dirty="0" smtClean="0"/>
-              <a:t>Output: 0/1</a:t>
-            </a:r>
-            <a:endParaRPr lang="zh-CN" altLang="en-US" dirty="0"/>
-          </a:p>
-        </p:txBody>
-      </p:sp>
-      <p:pic>
-        <p:nvPicPr>
-          <p:cNvPr id="4" name="内容占位符 3"/>
-          <p:cNvPicPr>
-            <a:picLocks noChangeAspect="1"/>
-          </p:cNvPicPr>
-          <p:nvPr/>
-        </p:nvPicPr>
-        <p:blipFill rotWithShape="1">
-          <a:blip r:embed="rId3">
-            <a:extLst>
-              <a:ext uri="{28A0092B-C50C-407E-A947-70E740481C1C}">
-                <a14:useLocalDpi xmlns:a14="http://schemas.microsoft.com/office/drawing/2010/main" val="0"/>
-              </a:ext>
-            </a:extLst>
-          </a:blip>
-          <a:srcRect l="90717" t="34992" b="1645"/>
-          <a:stretch/>
-        </p:blipFill>
-        <p:spPr>
-          <a:xfrm>
-            <a:off x="6489700" y="469252"/>
-            <a:ext cx="509814" cy="2442872"/>
-          </a:xfrm>
-          <a:prstGeom prst="rect">
-            <a:avLst/>
-          </a:prstGeom>
-        </p:spPr>
-      </p:pic>
-      <p:sp>
-        <p:nvSpPr>
-          <p:cNvPr id="8" name="右箭头 7"/>
-          <p:cNvSpPr/>
-          <p:nvPr/>
-        </p:nvSpPr>
-        <p:spPr>
-          <a:xfrm>
-            <a:off x="7380967" y="1395754"/>
-            <a:ext cx="1045028" cy="428171"/>
-          </a:xfrm>
-          <a:prstGeom prst="rightArrow">
-            <a:avLst/>
-          </a:prstGeom>
-        </p:spPr>
-        <p:style>
-          <a:lnRef idx="3">
-            <a:schemeClr val="lt1"/>
-          </a:lnRef>
-          <a:fillRef idx="1">
-            <a:schemeClr val="accent3"/>
-          </a:fillRef>
-          <a:effectRef idx="1">
-            <a:schemeClr val="accent3"/>
-          </a:effectRef>
-          <a:fontRef idx="minor">
-            <a:schemeClr val="lt1"/>
-          </a:fontRef>
-        </p:style>
-        <p:txBody>
-          <a:bodyPr rtlCol="0" anchor="ctr"/>
-          <a:lstStyle/>
-          <a:p>
-            <a:pPr algn="ctr"/>
-            <a:endParaRPr lang="zh-CN" altLang="en-US"/>
-          </a:p>
-        </p:txBody>
-      </p:sp>
-      <p:sp>
-        <p:nvSpPr>
-          <p:cNvPr id="9" name="文本框 8"/>
-          <p:cNvSpPr txBox="1"/>
-          <p:nvPr/>
-        </p:nvSpPr>
-        <p:spPr>
-          <a:xfrm>
-            <a:off x="8807449" y="1213231"/>
-            <a:ext cx="1944915" cy="830997"/>
-          </a:xfrm>
-          <a:prstGeom prst="rect">
-            <a:avLst/>
-          </a:prstGeom>
-          <a:noFill/>
-        </p:spPr>
-        <p:txBody>
-          <a:bodyPr wrap="square" rtlCol="0">
-            <a:spAutoFit/>
-          </a:bodyPr>
-          <a:lstStyle/>
-          <a:p>
-            <a:r>
-              <a:rPr lang="en-US" altLang="zh-CN" sz="2400" dirty="0" smtClean="0"/>
-              <a:t>[1,300] density curve</a:t>
-            </a:r>
-            <a:endParaRPr lang="zh-CN" altLang="en-US" sz="2400" dirty="0"/>
-          </a:p>
-        </p:txBody>
-      </p:sp>
-      <p:sp>
-        <p:nvSpPr>
-          <p:cNvPr id="10" name="右箭头 9"/>
-          <p:cNvSpPr/>
-          <p:nvPr/>
-        </p:nvSpPr>
-        <p:spPr>
-          <a:xfrm rot="9000000">
-            <a:off x="7378510" y="2767086"/>
-            <a:ext cx="1812519" cy="428171"/>
-          </a:xfrm>
-          <a:prstGeom prst="rightArrow">
-            <a:avLst/>
-          </a:prstGeom>
-        </p:spPr>
-        <p:style>
-          <a:lnRef idx="3">
-            <a:schemeClr val="lt1"/>
-          </a:lnRef>
-          <a:fillRef idx="1">
-            <a:schemeClr val="accent3"/>
-          </a:fillRef>
-          <a:effectRef idx="1">
-            <a:schemeClr val="accent3"/>
-          </a:effectRef>
-          <a:fontRef idx="minor">
-            <a:schemeClr val="lt1"/>
-          </a:fontRef>
-        </p:style>
-        <p:txBody>
-          <a:bodyPr rtlCol="0" anchor="ctr"/>
-          <a:lstStyle/>
-          <a:p>
-            <a:pPr algn="ctr"/>
-            <a:endParaRPr lang="zh-CN" altLang="en-US"/>
-          </a:p>
-        </p:txBody>
-      </p:sp>
-      <p:sp>
-        <p:nvSpPr>
-          <p:cNvPr id="11" name="文本框 10"/>
-          <p:cNvSpPr txBox="1"/>
-          <p:nvPr/>
-        </p:nvSpPr>
-        <p:spPr>
-          <a:xfrm>
-            <a:off x="9734949" y="2854554"/>
-            <a:ext cx="2395293" cy="2062103"/>
-          </a:xfrm>
-          <a:prstGeom prst="rect">
-            <a:avLst/>
-          </a:prstGeom>
-          <a:noFill/>
-        </p:spPr>
-        <p:txBody>
-          <a:bodyPr wrap="square" rtlCol="0">
-            <a:spAutoFit/>
-          </a:bodyPr>
-          <a:lstStyle/>
-          <a:p>
-            <a:r>
-              <a:rPr lang="en-US" altLang="zh-CN" sz="2800" u="sng" dirty="0" smtClean="0"/>
-              <a:t>Representation</a:t>
-            </a:r>
-          </a:p>
-          <a:p>
-            <a:r>
-              <a:rPr lang="en-US" altLang="zh-CN" sz="2000" dirty="0" smtClean="0"/>
-              <a:t>Large unlabeled data to train representation, or GMM case no need of data</a:t>
-            </a:r>
-          </a:p>
-        </p:txBody>
-      </p:sp>
-      <p:sp>
-        <p:nvSpPr>
-          <p:cNvPr id="12" name="文本框 11"/>
-          <p:cNvSpPr txBox="1"/>
-          <p:nvPr/>
-        </p:nvSpPr>
-        <p:spPr>
-          <a:xfrm>
-            <a:off x="6281963" y="3619705"/>
-            <a:ext cx="1944915" cy="830997"/>
-          </a:xfrm>
-          <a:prstGeom prst="rect">
-            <a:avLst/>
-          </a:prstGeom>
-          <a:noFill/>
-        </p:spPr>
-        <p:txBody>
-          <a:bodyPr wrap="square" rtlCol="0">
-            <a:spAutoFit/>
-          </a:bodyPr>
-          <a:lstStyle/>
-          <a:p>
-            <a:r>
-              <a:rPr lang="en-US" altLang="zh-CN" sz="2400" dirty="0" smtClean="0"/>
-              <a:t>[1,9] </a:t>
-            </a:r>
-          </a:p>
-          <a:p>
-            <a:r>
-              <a:rPr lang="en-US" altLang="zh-CN" sz="2400" dirty="0" smtClean="0"/>
-              <a:t>Latent vector</a:t>
-            </a:r>
-            <a:endParaRPr lang="zh-CN" altLang="en-US" sz="2400" dirty="0"/>
-          </a:p>
-        </p:txBody>
-      </p:sp>
-      <p:cxnSp>
-        <p:nvCxnSpPr>
-          <p:cNvPr id="14" name="曲线连接符 13"/>
-          <p:cNvCxnSpPr>
-            <a:stCxn id="11" idx="1"/>
-            <a:endCxn id="10" idx="0"/>
-          </p:cNvCxnSpPr>
-          <p:nvPr/>
-        </p:nvCxnSpPr>
-        <p:spPr>
-          <a:xfrm rot="10800000">
-            <a:off x="7792373" y="3512662"/>
-            <a:ext cx="1942577" cy="372944"/>
-          </a:xfrm>
-          <a:prstGeom prst="curvedConnector2">
-            <a:avLst/>
-          </a:prstGeom>
-          <a:ln w="19050">
-            <a:solidFill>
-              <a:schemeClr val="tx1"/>
-            </a:solidFill>
-            <a:tailEnd type="triangle"/>
-          </a:ln>
-        </p:spPr>
-        <p:style>
-          <a:lnRef idx="1">
-            <a:schemeClr val="accent1"/>
-          </a:lnRef>
-          <a:fillRef idx="0">
-            <a:schemeClr val="accent1"/>
-          </a:fillRef>
-          <a:effectRef idx="0">
-            <a:schemeClr val="accent1"/>
-          </a:effectRef>
-          <a:fontRef idx="minor">
-            <a:schemeClr val="tx1"/>
-          </a:fontRef>
-        </p:style>
-      </p:cxnSp>
-      <p:sp>
-        <p:nvSpPr>
-          <p:cNvPr id="18" name="右箭头 17"/>
-          <p:cNvSpPr/>
-          <p:nvPr/>
-        </p:nvSpPr>
-        <p:spPr>
-          <a:xfrm rot="1800000">
-            <a:off x="6743569" y="4910893"/>
-            <a:ext cx="1868261" cy="428171"/>
-          </a:xfrm>
-          <a:prstGeom prst="rightArrow">
-            <a:avLst/>
-          </a:prstGeom>
-        </p:spPr>
-        <p:style>
-          <a:lnRef idx="3">
-            <a:schemeClr val="lt1"/>
-          </a:lnRef>
-          <a:fillRef idx="1">
-            <a:schemeClr val="accent3"/>
-          </a:fillRef>
-          <a:effectRef idx="1">
-            <a:schemeClr val="accent3"/>
-          </a:effectRef>
-          <a:fontRef idx="minor">
-            <a:schemeClr val="lt1"/>
-          </a:fontRef>
-        </p:style>
-        <p:txBody>
-          <a:bodyPr rtlCol="0" anchor="ctr"/>
-          <a:lstStyle/>
-          <a:p>
-            <a:pPr algn="ctr"/>
-            <a:endParaRPr lang="zh-CN" altLang="en-US"/>
-          </a:p>
-        </p:txBody>
-      </p:sp>
-      <p:sp>
-        <p:nvSpPr>
-          <p:cNvPr id="19" name="文本框 18"/>
-          <p:cNvSpPr txBox="1"/>
-          <p:nvPr/>
-        </p:nvSpPr>
-        <p:spPr>
-          <a:xfrm>
-            <a:off x="4091667" y="4730413"/>
-            <a:ext cx="1923143" cy="1446550"/>
-          </a:xfrm>
-          <a:prstGeom prst="rect">
-            <a:avLst/>
-          </a:prstGeom>
-          <a:noFill/>
-        </p:spPr>
-        <p:txBody>
-          <a:bodyPr wrap="square" rtlCol="0">
-            <a:spAutoFit/>
-          </a:bodyPr>
-          <a:lstStyle/>
-          <a:p>
-            <a:r>
-              <a:rPr lang="en-US" altLang="zh-CN" sz="2800" u="sng" dirty="0" smtClean="0"/>
-              <a:t>Classifier</a:t>
-            </a:r>
-          </a:p>
-          <a:p>
-            <a:r>
-              <a:rPr lang="en-US" altLang="zh-CN" sz="2000" dirty="0" smtClean="0"/>
-              <a:t>Active learning process with expert labeling</a:t>
-            </a:r>
-            <a:endParaRPr lang="zh-CN" altLang="en-US" sz="2000" dirty="0"/>
-          </a:p>
-        </p:txBody>
-      </p:sp>
-      <p:cxnSp>
-        <p:nvCxnSpPr>
-          <p:cNvPr id="20" name="曲线连接符 19"/>
-          <p:cNvCxnSpPr>
-            <a:stCxn id="19" idx="3"/>
-            <a:endCxn id="18" idx="2"/>
-          </p:cNvCxnSpPr>
-          <p:nvPr/>
-        </p:nvCxnSpPr>
-        <p:spPr>
-          <a:xfrm>
-            <a:off x="6014810" y="5453688"/>
-            <a:ext cx="2179424" cy="216717"/>
-          </a:xfrm>
-          <a:prstGeom prst="curvedConnector2">
-            <a:avLst/>
-          </a:prstGeom>
-          <a:ln w="19050">
-            <a:solidFill>
-              <a:schemeClr val="tx1"/>
-            </a:solidFill>
-            <a:tailEnd type="triangle"/>
-          </a:ln>
-        </p:spPr>
-        <p:style>
-          <a:lnRef idx="1">
-            <a:schemeClr val="accent1"/>
-          </a:lnRef>
-          <a:fillRef idx="0">
-            <a:schemeClr val="accent1"/>
-          </a:fillRef>
-          <a:effectRef idx="0">
-            <a:schemeClr val="accent1"/>
-          </a:effectRef>
-          <a:fontRef idx="minor">
-            <a:schemeClr val="tx1"/>
-          </a:fontRef>
-        </p:style>
-      </p:cxnSp>
-      <p:sp>
-        <p:nvSpPr>
-          <p:cNvPr id="26" name="文本框 25"/>
-          <p:cNvSpPr txBox="1"/>
-          <p:nvPr/>
-        </p:nvSpPr>
-        <p:spPr>
-          <a:xfrm>
-            <a:off x="8701243" y="5254906"/>
-            <a:ext cx="1944915" cy="1200329"/>
-          </a:xfrm>
-          <a:prstGeom prst="rect">
-            <a:avLst/>
-          </a:prstGeom>
-          <a:noFill/>
-        </p:spPr>
-        <p:txBody>
-          <a:bodyPr wrap="square" rtlCol="0">
-            <a:spAutoFit/>
-          </a:bodyPr>
-          <a:lstStyle/>
-          <a:p>
-            <a:r>
-              <a:rPr lang="en-US" altLang="zh-CN" sz="2400" dirty="0" smtClean="0"/>
-              <a:t>0/1 result: </a:t>
-            </a:r>
-          </a:p>
-          <a:p>
-            <a:r>
-              <a:rPr lang="en-US" altLang="zh-CN" sz="2400" dirty="0" smtClean="0"/>
-              <a:t>if this column is normal</a:t>
-            </a:r>
-            <a:endParaRPr lang="zh-CN" altLang="en-US" sz="2400" dirty="0"/>
-          </a:p>
-        </p:txBody>
-      </p:sp>
-    </p:spTree>
-    <p:extLst>
-      <p:ext uri="{BB962C8B-B14F-4D97-AF65-F5344CB8AC3E}">
-        <p14:creationId xmlns:p14="http://schemas.microsoft.com/office/powerpoint/2010/main" val="3444249399"/>
       </p:ext>
     </p:extLst>
   </p:cSld>

--- a/report/M-protain_active_generative.pptx
+++ b/report/M-protain_active_generative.pptx
@@ -2426,7 +2426,7 @@
       </dgm:t>
     </dgm:pt>
     <dgm:pt modelId="{7516379C-C50D-4077-981C-6C8D9D5819C2}" type="pres">
-      <dgm:prSet presAssocID="{BE0194F3-0CF3-4552-AABC-07427B431412}" presName="sibTrans" presStyleLbl="sibTrans2D1" presStyleIdx="2" presStyleCnt="4" custAng="16373835" custScaleX="133279" custScaleY="158888" custLinFactX="-100117" custLinFactNeighborX="-200000" custLinFactNeighborY="-32737"/>
+      <dgm:prSet presAssocID="{BE0194F3-0CF3-4552-AABC-07427B431412}" presName="sibTrans" presStyleLbl="sibTrans2D1" presStyleIdx="2" presStyleCnt="4" custAng="16373835" custScaleX="78324" custScaleY="93374" custLinFactX="-61582" custLinFactNeighborX="-100000" custLinFactNeighborY="-92264"/>
       <dgm:spPr/>
       <dgm:t>
         <a:bodyPr/>
@@ -2448,7 +2448,7 @@
       </dgm:t>
     </dgm:pt>
     <dgm:pt modelId="{F226DC3B-3B05-40B9-96AA-E50673E0C595}" type="pres">
-      <dgm:prSet presAssocID="{6494A383-F946-4170-9AD8-F020DEE24BCF}" presName="node" presStyleLbl="node1" presStyleIdx="3" presStyleCnt="5" custScaleX="126800" custScaleY="121927" custLinFactX="48357" custLinFactNeighborX="100000" custLinFactNeighborY="69102">
+      <dgm:prSet presAssocID="{6494A383-F946-4170-9AD8-F020DEE24BCF}" presName="node" presStyleLbl="node1" presStyleIdx="3" presStyleCnt="5" custScaleX="126800" custScaleY="121927" custLinFactNeighborX="50854" custLinFactNeighborY="82915">
         <dgm:presLayoutVars>
           <dgm:bulletEnabled val="1"/>
         </dgm:presLayoutVars>
@@ -2485,7 +2485,7 @@
       </dgm:t>
     </dgm:pt>
     <dgm:pt modelId="{C3355515-1B56-49A3-BA42-22F4AC0F28DC}" type="pres">
-      <dgm:prSet presAssocID="{15F70219-90E6-41AD-92F6-D83B04F46292}" presName="node" presStyleLbl="node1" presStyleIdx="4" presStyleCnt="5" custScaleX="241224" custScaleY="91401" custLinFactX="-332149" custLinFactNeighborX="-400000" custLinFactNeighborY="77332">
+      <dgm:prSet presAssocID="{15F70219-90E6-41AD-92F6-D83B04F46292}" presName="node" presStyleLbl="node1" presStyleIdx="4" presStyleCnt="5" custScaleX="241224" custScaleY="91401" custLinFactX="-393046" custLinFactNeighborX="-400000" custLinFactNeighborY="91145">
         <dgm:presLayoutVars>
           <dgm:bulletEnabled val="1"/>
         </dgm:presLayoutVars>
@@ -2502,24 +2502,24 @@
   </dgm:ptLst>
   <dgm:cxnLst>
     <dgm:cxn modelId="{CF6EA122-A28F-4778-9ACC-5FFCAC44788A}" type="presOf" srcId="{19E0BDC4-44F3-4978-9245-DC8F307B95FA}" destId="{DC57D644-2034-49F0-ACC1-8A3409548101}" srcOrd="0" destOrd="0" presId="urn:microsoft.com/office/officeart/2005/8/layout/process1"/>
+    <dgm:cxn modelId="{056B49D2-101E-4119-A192-34433689B2D6}" srcId="{934CF1F5-0EA1-43F8-9A10-A6930F30E700}" destId="{D1E66598-6FCF-4A9F-B79C-53E48BFB39E6}" srcOrd="0" destOrd="0" parTransId="{C2DAC4BB-6E14-456F-BE01-83DC774C4B71}" sibTransId="{A1A104F9-11E6-4628-9272-661A063341E9}"/>
+    <dgm:cxn modelId="{55B742A1-6EC8-4651-9DAF-772369A5B4BD}" type="presOf" srcId="{D1E66598-6FCF-4A9F-B79C-53E48BFB39E6}" destId="{A15F4C40-A9EC-4AEE-81A5-A3410FE0B35F}" srcOrd="0" destOrd="0" presId="urn:microsoft.com/office/officeart/2005/8/layout/process1"/>
+    <dgm:cxn modelId="{25B0F006-8D0B-4F50-BAA7-BA579B56AF5A}" type="presOf" srcId="{19E0BDC4-44F3-4978-9245-DC8F307B95FA}" destId="{FEEFE8F8-C773-4D5E-AB98-B5F789E181FC}" srcOrd="1" destOrd="0" presId="urn:microsoft.com/office/officeart/2005/8/layout/process1"/>
+    <dgm:cxn modelId="{8208F8EA-1896-4C4C-843D-7203EE47412C}" type="presOf" srcId="{15F70219-90E6-41AD-92F6-D83B04F46292}" destId="{C3355515-1B56-49A3-BA42-22F4AC0F28DC}" srcOrd="0" destOrd="0" presId="urn:microsoft.com/office/officeart/2005/8/layout/process1"/>
+    <dgm:cxn modelId="{6B5CDFBB-DA74-4902-8A0C-E7365BCE4239}" srcId="{934CF1F5-0EA1-43F8-9A10-A6930F30E700}" destId="{6494A383-F946-4170-9AD8-F020DEE24BCF}" srcOrd="3" destOrd="0" parTransId="{D5CCA83A-0D47-4DC1-8AF2-F0A1EE6AFDED}" sibTransId="{19E0BDC4-44F3-4978-9245-DC8F307B95FA}"/>
     <dgm:cxn modelId="{D1C8E9E0-2CD8-448D-959E-709DD8156C97}" type="presOf" srcId="{BEEA6F13-715E-4772-9730-10133889BD7B}" destId="{643BEF74-807D-4BEF-959F-630B8790C007}" srcOrd="1" destOrd="0" presId="urn:microsoft.com/office/officeart/2005/8/layout/process1"/>
     <dgm:cxn modelId="{0993394B-8771-4A6C-9242-E07D62D2CB30}" type="presOf" srcId="{A1A104F9-11E6-4628-9272-661A063341E9}" destId="{F3275976-C559-44A7-B5CB-3968F9E18E13}" srcOrd="1" destOrd="0" presId="urn:microsoft.com/office/officeart/2005/8/layout/process1"/>
+    <dgm:cxn modelId="{3271E2D6-56B6-4CEE-892D-512DFD224CBF}" type="presOf" srcId="{D48AC2AD-6EBE-42E9-B8D3-72B770041CC3}" destId="{25D2843C-E207-4FB5-8DD3-A9F639FBD32A}" srcOrd="0" destOrd="0" presId="urn:microsoft.com/office/officeart/2005/8/layout/process1"/>
+    <dgm:cxn modelId="{F0327BE6-FD12-4949-BC06-39D3E971B0ED}" type="presOf" srcId="{6494A383-F946-4170-9AD8-F020DEE24BCF}" destId="{F226DC3B-3B05-40B9-96AA-E50673E0C595}" srcOrd="0" destOrd="0" presId="urn:microsoft.com/office/officeart/2005/8/layout/process1"/>
+    <dgm:cxn modelId="{A312EF96-3C1B-457B-95E9-32DB36A793A0}" type="presOf" srcId="{BE0194F3-0CF3-4552-AABC-07427B431412}" destId="{7516379C-C50D-4077-981C-6C8D9D5819C2}" srcOrd="0" destOrd="0" presId="urn:microsoft.com/office/officeart/2005/8/layout/process1"/>
+    <dgm:cxn modelId="{D31E1664-0F2B-489E-A462-F078898BCCDE}" type="presOf" srcId="{BEEA6F13-715E-4772-9730-10133889BD7B}" destId="{AD6DB7D8-9D34-4043-B2C1-FA53D1372ED6}" srcOrd="0" destOrd="0" presId="urn:microsoft.com/office/officeart/2005/8/layout/process1"/>
+    <dgm:cxn modelId="{9AD55BCF-70E8-4232-880D-84C18D37F4ED}" type="presOf" srcId="{C8D06E48-4653-4EA4-932C-06ACF987B8A2}" destId="{B912B35B-775A-45B7-AC33-8E631CD43E5F}" srcOrd="0" destOrd="0" presId="urn:microsoft.com/office/officeart/2005/8/layout/process1"/>
+    <dgm:cxn modelId="{0D872E39-F553-40C1-B918-12ADBDA1588C}" type="presOf" srcId="{A1A104F9-11E6-4628-9272-661A063341E9}" destId="{563A31A6-2274-4E2E-A7E8-DACDE200E763}" srcOrd="0" destOrd="0" presId="urn:microsoft.com/office/officeart/2005/8/layout/process1"/>
+    <dgm:cxn modelId="{1C9034F8-EC1E-4365-8D70-793FE4F7C288}" srcId="{934CF1F5-0EA1-43F8-9A10-A6930F30E700}" destId="{C8D06E48-4653-4EA4-932C-06ACF987B8A2}" srcOrd="2" destOrd="0" parTransId="{0DCB4F89-9D3E-45D1-B122-8FCF62B40315}" sibTransId="{BE0194F3-0CF3-4552-AABC-07427B431412}"/>
+    <dgm:cxn modelId="{06451A44-BE23-4654-A82D-876C921ACAEC}" srcId="{934CF1F5-0EA1-43F8-9A10-A6930F30E700}" destId="{15F70219-90E6-41AD-92F6-D83B04F46292}" srcOrd="4" destOrd="0" parTransId="{B4DEA3D9-EABD-4613-BA3C-B918A54BF71D}" sibTransId="{A104B910-5413-40CE-A5D6-7A4141AB6FBC}"/>
+    <dgm:cxn modelId="{78B94126-D29B-4B8C-8EFA-830AA0AB55E3}" srcId="{934CF1F5-0EA1-43F8-9A10-A6930F30E700}" destId="{D48AC2AD-6EBE-42E9-B8D3-72B770041CC3}" srcOrd="1" destOrd="0" parTransId="{2B9B0DB9-F230-478C-BD1D-5FE02AD780A1}" sibTransId="{BEEA6F13-715E-4772-9730-10133889BD7B}"/>
+    <dgm:cxn modelId="{E2F4637B-7509-4FDE-8ABA-31D32D4C40A8}" type="presOf" srcId="{934CF1F5-0EA1-43F8-9A10-A6930F30E700}" destId="{F678DA4B-3612-4096-8CFB-97361B3816B6}" srcOrd="0" destOrd="0" presId="urn:microsoft.com/office/officeart/2005/8/layout/process1"/>
     <dgm:cxn modelId="{5B9F0B50-24A4-4A7D-AA2B-D140890B1133}" type="presOf" srcId="{BE0194F3-0CF3-4552-AABC-07427B431412}" destId="{8DDAC931-168E-4702-9EB7-0AB6BA6B179C}" srcOrd="1" destOrd="0" presId="urn:microsoft.com/office/officeart/2005/8/layout/process1"/>
-    <dgm:cxn modelId="{0D872E39-F553-40C1-B918-12ADBDA1588C}" type="presOf" srcId="{A1A104F9-11E6-4628-9272-661A063341E9}" destId="{563A31A6-2274-4E2E-A7E8-DACDE200E763}" srcOrd="0" destOrd="0" presId="urn:microsoft.com/office/officeart/2005/8/layout/process1"/>
-    <dgm:cxn modelId="{25B0F006-8D0B-4F50-BAA7-BA579B56AF5A}" type="presOf" srcId="{19E0BDC4-44F3-4978-9245-DC8F307B95FA}" destId="{FEEFE8F8-C773-4D5E-AB98-B5F789E181FC}" srcOrd="1" destOrd="0" presId="urn:microsoft.com/office/officeart/2005/8/layout/process1"/>
-    <dgm:cxn modelId="{8208F8EA-1896-4C4C-843D-7203EE47412C}" type="presOf" srcId="{15F70219-90E6-41AD-92F6-D83B04F46292}" destId="{C3355515-1B56-49A3-BA42-22F4AC0F28DC}" srcOrd="0" destOrd="0" presId="urn:microsoft.com/office/officeart/2005/8/layout/process1"/>
-    <dgm:cxn modelId="{056B49D2-101E-4119-A192-34433689B2D6}" srcId="{934CF1F5-0EA1-43F8-9A10-A6930F30E700}" destId="{D1E66598-6FCF-4A9F-B79C-53E48BFB39E6}" srcOrd="0" destOrd="0" parTransId="{C2DAC4BB-6E14-456F-BE01-83DC774C4B71}" sibTransId="{A1A104F9-11E6-4628-9272-661A063341E9}"/>
-    <dgm:cxn modelId="{1C9034F8-EC1E-4365-8D70-793FE4F7C288}" srcId="{934CF1F5-0EA1-43F8-9A10-A6930F30E700}" destId="{C8D06E48-4653-4EA4-932C-06ACF987B8A2}" srcOrd="2" destOrd="0" parTransId="{0DCB4F89-9D3E-45D1-B122-8FCF62B40315}" sibTransId="{BE0194F3-0CF3-4552-AABC-07427B431412}"/>
-    <dgm:cxn modelId="{6B5CDFBB-DA74-4902-8A0C-E7365BCE4239}" srcId="{934CF1F5-0EA1-43F8-9A10-A6930F30E700}" destId="{6494A383-F946-4170-9AD8-F020DEE24BCF}" srcOrd="3" destOrd="0" parTransId="{D5CCA83A-0D47-4DC1-8AF2-F0A1EE6AFDED}" sibTransId="{19E0BDC4-44F3-4978-9245-DC8F307B95FA}"/>
-    <dgm:cxn modelId="{F0327BE6-FD12-4949-BC06-39D3E971B0ED}" type="presOf" srcId="{6494A383-F946-4170-9AD8-F020DEE24BCF}" destId="{F226DC3B-3B05-40B9-96AA-E50673E0C595}" srcOrd="0" destOrd="0" presId="urn:microsoft.com/office/officeart/2005/8/layout/process1"/>
-    <dgm:cxn modelId="{3271E2D6-56B6-4CEE-892D-512DFD224CBF}" type="presOf" srcId="{D48AC2AD-6EBE-42E9-B8D3-72B770041CC3}" destId="{25D2843C-E207-4FB5-8DD3-A9F639FBD32A}" srcOrd="0" destOrd="0" presId="urn:microsoft.com/office/officeart/2005/8/layout/process1"/>
-    <dgm:cxn modelId="{06451A44-BE23-4654-A82D-876C921ACAEC}" srcId="{934CF1F5-0EA1-43F8-9A10-A6930F30E700}" destId="{15F70219-90E6-41AD-92F6-D83B04F46292}" srcOrd="4" destOrd="0" parTransId="{B4DEA3D9-EABD-4613-BA3C-B918A54BF71D}" sibTransId="{A104B910-5413-40CE-A5D6-7A4141AB6FBC}"/>
-    <dgm:cxn modelId="{A312EF96-3C1B-457B-95E9-32DB36A793A0}" type="presOf" srcId="{BE0194F3-0CF3-4552-AABC-07427B431412}" destId="{7516379C-C50D-4077-981C-6C8D9D5819C2}" srcOrd="0" destOrd="0" presId="urn:microsoft.com/office/officeart/2005/8/layout/process1"/>
-    <dgm:cxn modelId="{9AD55BCF-70E8-4232-880D-84C18D37F4ED}" type="presOf" srcId="{C8D06E48-4653-4EA4-932C-06ACF987B8A2}" destId="{B912B35B-775A-45B7-AC33-8E631CD43E5F}" srcOrd="0" destOrd="0" presId="urn:microsoft.com/office/officeart/2005/8/layout/process1"/>
-    <dgm:cxn modelId="{78B94126-D29B-4B8C-8EFA-830AA0AB55E3}" srcId="{934CF1F5-0EA1-43F8-9A10-A6930F30E700}" destId="{D48AC2AD-6EBE-42E9-B8D3-72B770041CC3}" srcOrd="1" destOrd="0" parTransId="{2B9B0DB9-F230-478C-BD1D-5FE02AD780A1}" sibTransId="{BEEA6F13-715E-4772-9730-10133889BD7B}"/>
-    <dgm:cxn modelId="{D31E1664-0F2B-489E-A462-F078898BCCDE}" type="presOf" srcId="{BEEA6F13-715E-4772-9730-10133889BD7B}" destId="{AD6DB7D8-9D34-4043-B2C1-FA53D1372ED6}" srcOrd="0" destOrd="0" presId="urn:microsoft.com/office/officeart/2005/8/layout/process1"/>
-    <dgm:cxn modelId="{55B742A1-6EC8-4651-9DAF-772369A5B4BD}" type="presOf" srcId="{D1E66598-6FCF-4A9F-B79C-53E48BFB39E6}" destId="{A15F4C40-A9EC-4AEE-81A5-A3410FE0B35F}" srcOrd="0" destOrd="0" presId="urn:microsoft.com/office/officeart/2005/8/layout/process1"/>
-    <dgm:cxn modelId="{E2F4637B-7509-4FDE-8ABA-31D32D4C40A8}" type="presOf" srcId="{934CF1F5-0EA1-43F8-9A10-A6930F30E700}" destId="{F678DA4B-3612-4096-8CFB-97361B3816B6}" srcOrd="0" destOrd="0" presId="urn:microsoft.com/office/officeart/2005/8/layout/process1"/>
     <dgm:cxn modelId="{AA251CE6-1ACD-48AD-8808-3D049603461F}" type="presParOf" srcId="{F678DA4B-3612-4096-8CFB-97361B3816B6}" destId="{A15F4C40-A9EC-4AEE-81A5-A3410FE0B35F}" srcOrd="0" destOrd="0" presId="urn:microsoft.com/office/officeart/2005/8/layout/process1"/>
     <dgm:cxn modelId="{5C55D29A-8DA6-47DB-BFF6-895EF26F24FD}" type="presParOf" srcId="{F678DA4B-3612-4096-8CFB-97361B3816B6}" destId="{563A31A6-2274-4E2E-A7E8-DACDE200E763}" srcOrd="1" destOrd="0" presId="urn:microsoft.com/office/officeart/2005/8/layout/process1"/>
     <dgm:cxn modelId="{C143C374-25C8-4A67-BA5E-1FCA14BC27FF}" type="presParOf" srcId="{563A31A6-2274-4E2E-A7E8-DACDE200E763}" destId="{F3275976-C559-44A7-B5CB-3968F9E18E13}" srcOrd="0" destOrd="0" presId="urn:microsoft.com/office/officeart/2005/8/layout/process1"/>
@@ -3657,9 +3657,9 @@
         <dsp:cNvSpPr/>
       </dsp:nvSpPr>
       <dsp:spPr>
-        <a:xfrm rot="3113639">
-          <a:off x="5551545" y="1698320"/>
-          <a:ext cx="1123304" cy="464890"/>
+        <a:xfrm rot="3385406">
+          <a:off x="5803406" y="1766422"/>
+          <a:ext cx="947792" cy="273202"/>
         </a:xfrm>
         <a:prstGeom prst="rightArrow">
           <a:avLst>
@@ -3701,7 +3701,7 @@
         </a:bodyPr>
         <a:lstStyle/>
         <a:p>
-          <a:pPr lvl="0" algn="ctr" defTabSz="622300">
+          <a:pPr lvl="0" algn="ctr" defTabSz="488950">
             <a:lnSpc>
               <a:spcPct val="90000"/>
             </a:lnSpc>
@@ -3712,12 +3712,12 @@
               <a:spcPct val="35000"/>
             </a:spcAft>
           </a:pPr>
-          <a:endParaRPr lang="zh-CN" altLang="en-US" sz="1400" kern="1200"/>
+          <a:endParaRPr lang="zh-CN" altLang="en-US" sz="1100" kern="1200"/>
         </a:p>
       </dsp:txBody>
       <dsp:txXfrm rot="10800000">
-        <a:off x="5578245" y="1736427"/>
-        <a:ext cx="983837" cy="278934"/>
+        <a:off x="5821722" y="1786919"/>
+        <a:ext cx="865831" cy="163922"/>
       </dsp:txXfrm>
     </dsp:sp>
     <dsp:sp modelId="{F226DC3B-3B05-40B9-96AA-E50673E0C595}">
@@ -3727,7 +3727,7 @@
       </dsp:nvSpPr>
       <dsp:spPr>
         <a:xfrm>
-          <a:off x="6564615" y="2294292"/>
+          <a:off x="5846158" y="2495625"/>
           <a:ext cx="1495983" cy="1777158"/>
         </a:xfrm>
         <a:prstGeom prst="roundRect">
@@ -3797,7 +3797,7 @@
         </a:p>
       </dsp:txBody>
       <dsp:txXfrm>
-        <a:off x="6608431" y="2338108"/>
+        <a:off x="5889974" y="2539441"/>
         <a:ext cx="1408351" cy="1689526"/>
       </dsp:txXfrm>
     </dsp:sp>
@@ -3807,9 +3807,9 @@
         <dsp:cNvSpPr/>
       </dsp:nvSpPr>
       <dsp:spPr>
-        <a:xfrm rot="10807371">
-          <a:off x="5465939" y="2983048"/>
-          <a:ext cx="981462" cy="496712"/>
+        <a:xfrm rot="10807372">
+          <a:off x="4747478" y="3184380"/>
+          <a:ext cx="981466" cy="496712"/>
         </a:xfrm>
         <a:prstGeom prst="rightArrow">
           <a:avLst>
@@ -3866,8 +3866,8 @@
         </a:p>
       </dsp:txBody>
       <dsp:txXfrm rot="10800000">
-        <a:off x="5614953" y="3082550"/>
-        <a:ext cx="832448" cy="298028"/>
+        <a:off x="4896492" y="3283882"/>
+        <a:ext cx="832452" cy="298028"/>
       </dsp:txXfrm>
     </dsp:sp>
     <dsp:sp modelId="{C3355515-1B56-49A3-BA42-22F4AC0F28DC}">
@@ -3877,7 +3877,7 @@
       </dsp:nvSpPr>
       <dsp:spPr>
         <a:xfrm>
-          <a:off x="2538184" y="2636716"/>
+          <a:off x="1819723" y="2838049"/>
           <a:ext cx="2845955" cy="1332223"/>
         </a:xfrm>
         <a:prstGeom prst="roundRect">
@@ -3964,7 +3964,7 @@
         </a:p>
       </dsp:txBody>
       <dsp:txXfrm>
-        <a:off x="2577203" y="2675735"/>
+        <a:off x="1858742" y="2877068"/>
         <a:ext cx="2767917" cy="1254185"/>
       </dsp:txXfrm>
     </dsp:sp>
@@ -6439,7 +6439,7 @@
           <a:p>
             <a:fld id="{65AF9760-D758-4A59-AD73-37864DF68900}" type="datetimeFigureOut">
               <a:rPr lang="zh-CN" altLang="en-US" smtClean="0"/>
-              <a:t>2019/11/12</a:t>
+              <a:t>2019/11/16</a:t>
             </a:fld>
             <a:endParaRPr lang="zh-CN" altLang="en-US"/>
           </a:p>
@@ -8576,7 +8576,7 @@
           <a:p>
             <a:fld id="{BFECA42A-3F30-492F-8D17-81135151E227}" type="datetimeFigureOut">
               <a:rPr lang="zh-CN" altLang="en-US" smtClean="0"/>
-              <a:t>2019/11/12</a:t>
+              <a:t>2019/11/16</a:t>
             </a:fld>
             <a:endParaRPr lang="zh-CN" altLang="en-US"/>
           </a:p>
@@ -8746,7 +8746,7 @@
           <a:p>
             <a:fld id="{BFECA42A-3F30-492F-8D17-81135151E227}" type="datetimeFigureOut">
               <a:rPr lang="zh-CN" altLang="en-US" smtClean="0"/>
-              <a:t>2019/11/12</a:t>
+              <a:t>2019/11/16</a:t>
             </a:fld>
             <a:endParaRPr lang="zh-CN" altLang="en-US"/>
           </a:p>
@@ -8926,7 +8926,7 @@
           <a:p>
             <a:fld id="{BFECA42A-3F30-492F-8D17-81135151E227}" type="datetimeFigureOut">
               <a:rPr lang="zh-CN" altLang="en-US" smtClean="0"/>
-              <a:t>2019/11/12</a:t>
+              <a:t>2019/11/16</a:t>
             </a:fld>
             <a:endParaRPr lang="zh-CN" altLang="en-US"/>
           </a:p>
@@ -9096,7 +9096,7 @@
           <a:p>
             <a:fld id="{BFECA42A-3F30-492F-8D17-81135151E227}" type="datetimeFigureOut">
               <a:rPr lang="zh-CN" altLang="en-US" smtClean="0"/>
-              <a:t>2019/11/12</a:t>
+              <a:t>2019/11/16</a:t>
             </a:fld>
             <a:endParaRPr lang="zh-CN" altLang="en-US"/>
           </a:p>
@@ -9342,7 +9342,7 @@
           <a:p>
             <a:fld id="{BFECA42A-3F30-492F-8D17-81135151E227}" type="datetimeFigureOut">
               <a:rPr lang="zh-CN" altLang="en-US" smtClean="0"/>
-              <a:t>2019/11/12</a:t>
+              <a:t>2019/11/16</a:t>
             </a:fld>
             <a:endParaRPr lang="zh-CN" altLang="en-US"/>
           </a:p>
@@ -9574,7 +9574,7 @@
           <a:p>
             <a:fld id="{BFECA42A-3F30-492F-8D17-81135151E227}" type="datetimeFigureOut">
               <a:rPr lang="zh-CN" altLang="en-US" smtClean="0"/>
-              <a:t>2019/11/12</a:t>
+              <a:t>2019/11/16</a:t>
             </a:fld>
             <a:endParaRPr lang="zh-CN" altLang="en-US"/>
           </a:p>
@@ -9941,7 +9941,7 @@
           <a:p>
             <a:fld id="{BFECA42A-3F30-492F-8D17-81135151E227}" type="datetimeFigureOut">
               <a:rPr lang="zh-CN" altLang="en-US" smtClean="0"/>
-              <a:t>2019/11/12</a:t>
+              <a:t>2019/11/16</a:t>
             </a:fld>
             <a:endParaRPr lang="zh-CN" altLang="en-US"/>
           </a:p>
@@ -10059,7 +10059,7 @@
           <a:p>
             <a:fld id="{BFECA42A-3F30-492F-8D17-81135151E227}" type="datetimeFigureOut">
               <a:rPr lang="zh-CN" altLang="en-US" smtClean="0"/>
-              <a:t>2019/11/12</a:t>
+              <a:t>2019/11/16</a:t>
             </a:fld>
             <a:endParaRPr lang="zh-CN" altLang="en-US"/>
           </a:p>
@@ -10154,7 +10154,7 @@
           <a:p>
             <a:fld id="{BFECA42A-3F30-492F-8D17-81135151E227}" type="datetimeFigureOut">
               <a:rPr lang="zh-CN" altLang="en-US" smtClean="0"/>
-              <a:t>2019/11/12</a:t>
+              <a:t>2019/11/16</a:t>
             </a:fld>
             <a:endParaRPr lang="zh-CN" altLang="en-US"/>
           </a:p>
@@ -10431,7 +10431,7 @@
           <a:p>
             <a:fld id="{BFECA42A-3F30-492F-8D17-81135151E227}" type="datetimeFigureOut">
               <a:rPr lang="zh-CN" altLang="en-US" smtClean="0"/>
-              <a:t>2019/11/12</a:t>
+              <a:t>2019/11/16</a:t>
             </a:fld>
             <a:endParaRPr lang="zh-CN" altLang="en-US"/>
           </a:p>
@@ -10684,7 +10684,7 @@
           <a:p>
             <a:fld id="{BFECA42A-3F30-492F-8D17-81135151E227}" type="datetimeFigureOut">
               <a:rPr lang="zh-CN" altLang="en-US" smtClean="0"/>
-              <a:t>2019/11/12</a:t>
+              <a:t>2019/11/16</a:t>
             </a:fld>
             <a:endParaRPr lang="zh-CN" altLang="en-US"/>
           </a:p>
@@ -10897,7 +10897,7 @@
           <a:p>
             <a:fld id="{BFECA42A-3F30-492F-8D17-81135151E227}" type="datetimeFigureOut">
               <a:rPr lang="zh-CN" altLang="en-US" smtClean="0"/>
-              <a:t>2019/11/12</a:t>
+              <a:t>2019/11/16</a:t>
             </a:fld>
             <a:endParaRPr lang="zh-CN" altLang="en-US"/>
           </a:p>
@@ -16003,7 +16003,7 @@
             <p:ph idx="1"/>
             <p:extLst>
               <p:ext uri="{D42A27DB-BD31-4B8C-83A1-F6EECF244321}">
-                <p14:modId xmlns:p14="http://schemas.microsoft.com/office/powerpoint/2010/main" val="1138678395"/>
+                <p14:modId xmlns:p14="http://schemas.microsoft.com/office/powerpoint/2010/main" val="349861118"/>
               </p:ext>
             </p:extLst>
           </p:nvPr>
@@ -16025,8 +16025,8 @@
           <p:nvPr/>
         </p:nvSpPr>
         <p:spPr>
-          <a:xfrm rot="8269570">
-            <a:off x="1846068" y="3800144"/>
+          <a:xfrm rot="9588331">
+            <a:off x="1700925" y="3755517"/>
             <a:ext cx="723862" cy="1394614"/>
           </a:xfrm>
           <a:prstGeom prst="downArrow">
